--- a/new_slides/IR.pptx
+++ b/new_slides/IR.pptx
@@ -5,7 +5,7 @@
     <p:sldMasterId id="2147483897" r:id="rId1"/>
   </p:sldMasterIdLst>
   <p:notesMasterIdLst>
-    <p:notesMasterId r:id="rId26"/>
+    <p:notesMasterId r:id="rId29"/>
   </p:notesMasterIdLst>
   <p:sldIdLst>
     <p:sldId id="417" r:id="rId2"/>
@@ -25,13 +25,16 @@
     <p:sldId id="593" r:id="rId16"/>
     <p:sldId id="594" r:id="rId17"/>
     <p:sldId id="595" r:id="rId18"/>
-    <p:sldId id="596" r:id="rId19"/>
-    <p:sldId id="597" r:id="rId20"/>
-    <p:sldId id="598" r:id="rId21"/>
-    <p:sldId id="603" r:id="rId22"/>
-    <p:sldId id="601" r:id="rId23"/>
-    <p:sldId id="602" r:id="rId24"/>
-    <p:sldId id="600" r:id="rId25"/>
+    <p:sldId id="605" r:id="rId19"/>
+    <p:sldId id="596" r:id="rId20"/>
+    <p:sldId id="597" r:id="rId21"/>
+    <p:sldId id="598" r:id="rId22"/>
+    <p:sldId id="603" r:id="rId23"/>
+    <p:sldId id="601" r:id="rId24"/>
+    <p:sldId id="602" r:id="rId25"/>
+    <p:sldId id="600" r:id="rId26"/>
+    <p:sldId id="606" r:id="rId27"/>
+    <p:sldId id="607" r:id="rId28"/>
   </p:sldIdLst>
   <p:sldSz cx="12192000" cy="6858000"/>
   <p:notesSz cx="6858000" cy="9144000"/>
@@ -1066,7 +1069,7 @@
     </p:spTree>
     <p:extLst>
       <p:ext uri="{BB962C8B-B14F-4D97-AF65-F5344CB8AC3E}">
-        <p14:creationId xmlns:p14="http://schemas.microsoft.com/office/powerpoint/2010/main" val="2362498534"/>
+        <p14:creationId xmlns:p14="http://schemas.microsoft.com/office/powerpoint/2010/main" val="2759618573"/>
       </p:ext>
     </p:extLst>
   </p:cSld>
@@ -1150,7 +1153,7 @@
     </p:spTree>
     <p:extLst>
       <p:ext uri="{BB962C8B-B14F-4D97-AF65-F5344CB8AC3E}">
-        <p14:creationId xmlns:p14="http://schemas.microsoft.com/office/powerpoint/2010/main" val="2618164939"/>
+        <p14:creationId xmlns:p14="http://schemas.microsoft.com/office/powerpoint/2010/main" val="2362498534"/>
       </p:ext>
     </p:extLst>
   </p:cSld>
@@ -1234,7 +1237,7 @@
     </p:spTree>
     <p:extLst>
       <p:ext uri="{BB962C8B-B14F-4D97-AF65-F5344CB8AC3E}">
-        <p14:creationId xmlns:p14="http://schemas.microsoft.com/office/powerpoint/2010/main" val="1812866454"/>
+        <p14:creationId xmlns:p14="http://schemas.microsoft.com/office/powerpoint/2010/main" val="2618164939"/>
       </p:ext>
     </p:extLst>
   </p:cSld>
@@ -1318,7 +1321,7 @@
     </p:spTree>
     <p:extLst>
       <p:ext uri="{BB962C8B-B14F-4D97-AF65-F5344CB8AC3E}">
-        <p14:creationId xmlns:p14="http://schemas.microsoft.com/office/powerpoint/2010/main" val="3642345660"/>
+        <p14:creationId xmlns:p14="http://schemas.microsoft.com/office/powerpoint/2010/main" val="1812866454"/>
       </p:ext>
     </p:extLst>
   </p:cSld>
@@ -1402,7 +1405,7 @@
     </p:spTree>
     <p:extLst>
       <p:ext uri="{BB962C8B-B14F-4D97-AF65-F5344CB8AC3E}">
-        <p14:creationId xmlns:p14="http://schemas.microsoft.com/office/powerpoint/2010/main" val="3238903921"/>
+        <p14:creationId xmlns:p14="http://schemas.microsoft.com/office/powerpoint/2010/main" val="3642345660"/>
       </p:ext>
     </p:extLst>
   </p:cSld>
@@ -1570,7 +1573,7 @@
     </p:spTree>
     <p:extLst>
       <p:ext uri="{BB962C8B-B14F-4D97-AF65-F5344CB8AC3E}">
-        <p14:creationId xmlns:p14="http://schemas.microsoft.com/office/powerpoint/2010/main" val="845139379"/>
+        <p14:creationId xmlns:p14="http://schemas.microsoft.com/office/powerpoint/2010/main" val="3238903921"/>
       </p:ext>
     </p:extLst>
   </p:cSld>
@@ -1654,7 +1657,259 @@
     </p:spTree>
     <p:extLst>
       <p:ext uri="{BB962C8B-B14F-4D97-AF65-F5344CB8AC3E}">
+        <p14:creationId xmlns:p14="http://schemas.microsoft.com/office/powerpoint/2010/main" val="845139379"/>
+      </p:ext>
+    </p:extLst>
+  </p:cSld>
+  <p:clrMapOvr>
+    <a:masterClrMapping/>
+  </p:clrMapOvr>
+</p:notes>
+</file>
+
+<file path=ppt/notesSlides/notesSlide22.xml><?xml version="1.0" encoding="utf-8"?>
+<p:notes xmlns:a="http://schemas.openxmlformats.org/drawingml/2006/main" xmlns:r="http://schemas.openxmlformats.org/officeDocument/2006/relationships" xmlns:p="http://schemas.openxmlformats.org/presentationml/2006/main">
+  <p:cSld>
+    <p:spTree>
+      <p:nvGrpSpPr>
+        <p:cNvPr id="1" name=""/>
+        <p:cNvGrpSpPr/>
+        <p:nvPr/>
+      </p:nvGrpSpPr>
+      <p:grpSpPr>
+        <a:xfrm>
+          <a:off x="0" y="0"/>
+          <a:ext cx="0" cy="0"/>
+          <a:chOff x="0" y="0"/>
+          <a:chExt cx="0" cy="0"/>
+        </a:xfrm>
+      </p:grpSpPr>
+      <p:sp>
+        <p:nvSpPr>
+          <p:cNvPr id="2" name="Slide Image Placeholder 1"/>
+          <p:cNvSpPr>
+            <a:spLocks noGrp="1" noRot="1" noChangeAspect="1"/>
+          </p:cNvSpPr>
+          <p:nvPr>
+            <p:ph type="sldImg"/>
+          </p:nvPr>
+        </p:nvSpPr>
+        <p:spPr/>
+      </p:sp>
+      <p:sp>
+        <p:nvSpPr>
+          <p:cNvPr id="3" name="Notes Placeholder 2"/>
+          <p:cNvSpPr>
+            <a:spLocks noGrp="1"/>
+          </p:cNvSpPr>
+          <p:nvPr>
+            <p:ph type="body" idx="1"/>
+          </p:nvPr>
+        </p:nvSpPr>
+        <p:spPr/>
+        <p:txBody>
+          <a:bodyPr/>
+          <a:lstStyle/>
+          <a:p>
+            <a:endParaRPr lang="en-US" dirty="0"/>
+          </a:p>
+        </p:txBody>
+      </p:sp>
+      <p:sp>
+        <p:nvSpPr>
+          <p:cNvPr id="4" name="Slide Number Placeholder 3"/>
+          <p:cNvSpPr>
+            <a:spLocks noGrp="1"/>
+          </p:cNvSpPr>
+          <p:nvPr>
+            <p:ph type="sldNum" sz="quarter" idx="10"/>
+          </p:nvPr>
+        </p:nvSpPr>
+        <p:spPr/>
+        <p:txBody>
+          <a:bodyPr/>
+          <a:lstStyle/>
+          <a:p>
+            <a:fld id="{5EC95FEE-7BD5-4386-98BE-4A9F100A6576}" type="slidenum">
+              <a:rPr lang="en-US" smtClean="0"/>
+              <a:t>25</a:t>
+            </a:fld>
+            <a:endParaRPr lang="en-US"/>
+          </a:p>
+        </p:txBody>
+      </p:sp>
+    </p:spTree>
+    <p:extLst>
+      <p:ext uri="{BB962C8B-B14F-4D97-AF65-F5344CB8AC3E}">
         <p14:creationId xmlns:p14="http://schemas.microsoft.com/office/powerpoint/2010/main" val="3379450651"/>
+      </p:ext>
+    </p:extLst>
+  </p:cSld>
+  <p:clrMapOvr>
+    <a:masterClrMapping/>
+  </p:clrMapOvr>
+</p:notes>
+</file>
+
+<file path=ppt/notesSlides/notesSlide23.xml><?xml version="1.0" encoding="utf-8"?>
+<p:notes xmlns:a="http://schemas.openxmlformats.org/drawingml/2006/main" xmlns:r="http://schemas.openxmlformats.org/officeDocument/2006/relationships" xmlns:p="http://schemas.openxmlformats.org/presentationml/2006/main">
+  <p:cSld>
+    <p:spTree>
+      <p:nvGrpSpPr>
+        <p:cNvPr id="1" name=""/>
+        <p:cNvGrpSpPr/>
+        <p:nvPr/>
+      </p:nvGrpSpPr>
+      <p:grpSpPr>
+        <a:xfrm>
+          <a:off x="0" y="0"/>
+          <a:ext cx="0" cy="0"/>
+          <a:chOff x="0" y="0"/>
+          <a:chExt cx="0" cy="0"/>
+        </a:xfrm>
+      </p:grpSpPr>
+      <p:sp>
+        <p:nvSpPr>
+          <p:cNvPr id="2" name="Slide Image Placeholder 1"/>
+          <p:cNvSpPr>
+            <a:spLocks noGrp="1" noRot="1" noChangeAspect="1"/>
+          </p:cNvSpPr>
+          <p:nvPr>
+            <p:ph type="sldImg"/>
+          </p:nvPr>
+        </p:nvSpPr>
+        <p:spPr/>
+      </p:sp>
+      <p:sp>
+        <p:nvSpPr>
+          <p:cNvPr id="3" name="Notes Placeholder 2"/>
+          <p:cNvSpPr>
+            <a:spLocks noGrp="1"/>
+          </p:cNvSpPr>
+          <p:nvPr>
+            <p:ph type="body" idx="1"/>
+          </p:nvPr>
+        </p:nvSpPr>
+        <p:spPr/>
+        <p:txBody>
+          <a:bodyPr/>
+          <a:lstStyle/>
+          <a:p>
+            <a:endParaRPr lang="en-US" dirty="0"/>
+          </a:p>
+        </p:txBody>
+      </p:sp>
+      <p:sp>
+        <p:nvSpPr>
+          <p:cNvPr id="4" name="Slide Number Placeholder 3"/>
+          <p:cNvSpPr>
+            <a:spLocks noGrp="1"/>
+          </p:cNvSpPr>
+          <p:nvPr>
+            <p:ph type="sldNum" sz="quarter" idx="10"/>
+          </p:nvPr>
+        </p:nvSpPr>
+        <p:spPr/>
+        <p:txBody>
+          <a:bodyPr/>
+          <a:lstStyle/>
+          <a:p>
+            <a:fld id="{5EC95FEE-7BD5-4386-98BE-4A9F100A6576}" type="slidenum">
+              <a:rPr lang="en-US" smtClean="0"/>
+              <a:t>26</a:t>
+            </a:fld>
+            <a:endParaRPr lang="en-US"/>
+          </a:p>
+        </p:txBody>
+      </p:sp>
+    </p:spTree>
+    <p:extLst>
+      <p:ext uri="{BB962C8B-B14F-4D97-AF65-F5344CB8AC3E}">
+        <p14:creationId xmlns:p14="http://schemas.microsoft.com/office/powerpoint/2010/main" val="1225050118"/>
+      </p:ext>
+    </p:extLst>
+  </p:cSld>
+  <p:clrMapOvr>
+    <a:masterClrMapping/>
+  </p:clrMapOvr>
+</p:notes>
+</file>
+
+<file path=ppt/notesSlides/notesSlide24.xml><?xml version="1.0" encoding="utf-8"?>
+<p:notes xmlns:a="http://schemas.openxmlformats.org/drawingml/2006/main" xmlns:r="http://schemas.openxmlformats.org/officeDocument/2006/relationships" xmlns:p="http://schemas.openxmlformats.org/presentationml/2006/main">
+  <p:cSld>
+    <p:spTree>
+      <p:nvGrpSpPr>
+        <p:cNvPr id="1" name=""/>
+        <p:cNvGrpSpPr/>
+        <p:nvPr/>
+      </p:nvGrpSpPr>
+      <p:grpSpPr>
+        <a:xfrm>
+          <a:off x="0" y="0"/>
+          <a:ext cx="0" cy="0"/>
+          <a:chOff x="0" y="0"/>
+          <a:chExt cx="0" cy="0"/>
+        </a:xfrm>
+      </p:grpSpPr>
+      <p:sp>
+        <p:nvSpPr>
+          <p:cNvPr id="2" name="Slide Image Placeholder 1"/>
+          <p:cNvSpPr>
+            <a:spLocks noGrp="1" noRot="1" noChangeAspect="1"/>
+          </p:cNvSpPr>
+          <p:nvPr>
+            <p:ph type="sldImg"/>
+          </p:nvPr>
+        </p:nvSpPr>
+        <p:spPr/>
+      </p:sp>
+      <p:sp>
+        <p:nvSpPr>
+          <p:cNvPr id="3" name="Notes Placeholder 2"/>
+          <p:cNvSpPr>
+            <a:spLocks noGrp="1"/>
+          </p:cNvSpPr>
+          <p:nvPr>
+            <p:ph type="body" idx="1"/>
+          </p:nvPr>
+        </p:nvSpPr>
+        <p:spPr/>
+        <p:txBody>
+          <a:bodyPr/>
+          <a:lstStyle/>
+          <a:p>
+            <a:endParaRPr lang="en-US" dirty="0"/>
+          </a:p>
+        </p:txBody>
+      </p:sp>
+      <p:sp>
+        <p:nvSpPr>
+          <p:cNvPr id="4" name="Slide Number Placeholder 3"/>
+          <p:cNvSpPr>
+            <a:spLocks noGrp="1"/>
+          </p:cNvSpPr>
+          <p:nvPr>
+            <p:ph type="sldNum" sz="quarter" idx="10"/>
+          </p:nvPr>
+        </p:nvSpPr>
+        <p:spPr/>
+        <p:txBody>
+          <a:bodyPr/>
+          <a:lstStyle/>
+          <a:p>
+            <a:fld id="{5EC95FEE-7BD5-4386-98BE-4A9F100A6576}" type="slidenum">
+              <a:rPr lang="en-US" smtClean="0"/>
+              <a:t>27</a:t>
+            </a:fld>
+            <a:endParaRPr lang="en-US"/>
+          </a:p>
+        </p:txBody>
+      </p:sp>
+    </p:spTree>
+    <p:extLst>
+      <p:ext uri="{BB962C8B-B14F-4D97-AF65-F5344CB8AC3E}">
+        <p14:creationId xmlns:p14="http://schemas.microsoft.com/office/powerpoint/2010/main" val="3475014987"/>
       </p:ext>
     </p:extLst>
   </p:cSld>
@@ -13767,7 +14022,7 @@
               <a:rPr lang="en-US" sz="4800" dirty="0" smtClean="0">
                 <a:latin typeface="+mj-lt"/>
               </a:rPr>
-              <a:t>Translating Function Call</a:t>
+              <a:t>Translating Statements</a:t>
             </a:r>
             <a:endParaRPr lang="en-US" sz="4800" dirty="0">
               <a:latin typeface="+mj-lt"/>
@@ -14058,11 +14313,35 @@
           </a:p>
           <a:p>
             <a:r>
+              <a:rPr lang="en-US" sz="2400" b="1" dirty="0">
+                <a:latin typeface="Courier New" panose="02070309020205020404" pitchFamily="49" charset="0"/>
+                <a:cs typeface="Courier New" panose="02070309020205020404" pitchFamily="49" charset="0"/>
+              </a:rPr>
+              <a:t>t</a:t>
+            </a:r>
+            <a:r>
               <a:rPr lang="en-US" sz="2400" b="1" dirty="0" smtClean="0">
                 <a:latin typeface="Courier New" panose="02070309020205020404" pitchFamily="49" charset="0"/>
                 <a:cs typeface="Courier New" panose="02070309020205020404" pitchFamily="49" charset="0"/>
               </a:rPr>
-              <a:t>call f(t1, t2, ...)</a:t>
+              <a:t>0 = </a:t>
+            </a:r>
+            <a:r>
+              <a:rPr lang="en-US" sz="2400" b="1" dirty="0" smtClean="0">
+                <a:solidFill>
+                  <a:srgbClr val="C00000"/>
+                </a:solidFill>
+                <a:latin typeface="Courier New" panose="02070309020205020404" pitchFamily="49" charset="0"/>
+                <a:cs typeface="Courier New" panose="02070309020205020404" pitchFamily="49" charset="0"/>
+              </a:rPr>
+              <a:t>call</a:t>
+            </a:r>
+            <a:r>
+              <a:rPr lang="en-US" sz="2400" b="1" dirty="0" smtClean="0">
+                <a:latin typeface="Courier New" panose="02070309020205020404" pitchFamily="49" charset="0"/>
+                <a:cs typeface="Courier New" panose="02070309020205020404" pitchFamily="49" charset="0"/>
+              </a:rPr>
+              <a:t> f(t1, t2, ...)</a:t>
             </a:r>
           </a:p>
         </p:txBody>
@@ -14456,7 +14735,7 @@
     </p:spTree>
     <p:extLst>
       <p:ext uri="{BB962C8B-B14F-4D97-AF65-F5344CB8AC3E}">
-        <p14:creationId xmlns:p14="http://schemas.microsoft.com/office/powerpoint/2010/main" val="235770943"/>
+        <p14:creationId xmlns:p14="http://schemas.microsoft.com/office/powerpoint/2010/main" val="344609490"/>
       </p:ext>
     </p:extLst>
   </p:cSld>
@@ -14516,7 +14795,1146 @@
               <a:rPr lang="en-US" sz="4800" dirty="0" smtClean="0">
                 <a:latin typeface="+mj-lt"/>
               </a:rPr>
-              <a:t>Translating Return</a:t>
+              <a:t>Translating Statements</a:t>
+            </a:r>
+            <a:endParaRPr lang="en-US" sz="4800" dirty="0">
+              <a:latin typeface="+mj-lt"/>
+            </a:endParaRPr>
+          </a:p>
+        </p:txBody>
+      </p:sp>
+      <mc:AlternateContent xmlns:mc="http://schemas.openxmlformats.org/markup-compatibility/2006">
+        <mc:Choice xmlns:a14="http://schemas.microsoft.com/office/drawing/2010/main" Requires="a14">
+          <p:sp>
+            <p:nvSpPr>
+              <p:cNvPr id="5" name="TextBox 4"/>
+              <p:cNvSpPr txBox="1"/>
+              <p:nvPr/>
+            </p:nvSpPr>
+            <p:spPr>
+              <a:xfrm>
+                <a:off x="1011115" y="1529866"/>
+                <a:ext cx="10649662" cy="954107"/>
+              </a:xfrm>
+              <a:prstGeom prst="rect">
+                <a:avLst/>
+              </a:prstGeom>
+              <a:noFill/>
+            </p:spPr>
+            <p:txBody>
+              <a:bodyPr wrap="square" rtlCol="0">
+                <a:spAutoFit/>
+              </a:bodyPr>
+              <a:lstStyle/>
+              <a:p>
+                <a:r>
+                  <a:rPr lang="en-US" sz="2800" dirty="0" smtClean="0">
+                    <a:latin typeface="+mj-lt"/>
+                  </a:rPr>
+                  <a:t>For </a:t>
+                </a:r>
+                <a14:m>
+                  <m:oMath xmlns:m="http://schemas.openxmlformats.org/officeDocument/2006/math">
+                    <m:r>
+                      <a:rPr lang="en-US" sz="2800" b="0" i="1" smtClean="0">
+                        <a:latin typeface="Cambria Math" panose="02040503050406030204" pitchFamily="18" charset="0"/>
+                      </a:rPr>
+                      <m:t>𝑜</m:t>
+                    </m:r>
+                    <m:r>
+                      <a:rPr lang="en-US" sz="2800" b="0" i="1" smtClean="0">
+                        <a:latin typeface="Cambria Math" panose="02040503050406030204" pitchFamily="18" charset="0"/>
+                      </a:rPr>
+                      <m:t>.</m:t>
+                    </m:r>
+                    <m:r>
+                      <a:rPr lang="en-US" sz="2800" b="0" i="1" smtClean="0">
+                        <a:latin typeface="Cambria Math" panose="02040503050406030204" pitchFamily="18" charset="0"/>
+                      </a:rPr>
+                      <m:t>𝑓</m:t>
+                    </m:r>
+                    <m:d>
+                      <m:dPr>
+                        <m:ctrlPr>
+                          <a:rPr lang="en-US" sz="2800" b="0" i="1" smtClean="0">
+                            <a:latin typeface="Cambria Math" panose="02040503050406030204" pitchFamily="18" charset="0"/>
+                          </a:rPr>
+                        </m:ctrlPr>
+                      </m:dPr>
+                      <m:e>
+                        <m:sSub>
+                          <m:sSubPr>
+                            <m:ctrlPr>
+                              <a:rPr lang="en-US" sz="2800" b="0" i="1" smtClean="0">
+                                <a:latin typeface="Cambria Math" panose="02040503050406030204" pitchFamily="18" charset="0"/>
+                              </a:rPr>
+                            </m:ctrlPr>
+                          </m:sSubPr>
+                          <m:e>
+                            <m:r>
+                              <a:rPr lang="en-US" sz="2800" b="0" i="1" smtClean="0">
+                                <a:latin typeface="Cambria Math" panose="02040503050406030204" pitchFamily="18" charset="0"/>
+                              </a:rPr>
+                              <m:t>𝑒</m:t>
+                            </m:r>
+                          </m:e>
+                          <m:sub>
+                            <m:r>
+                              <a:rPr lang="en-US" sz="2800" b="0" i="1" smtClean="0">
+                                <a:latin typeface="Cambria Math" panose="02040503050406030204" pitchFamily="18" charset="0"/>
+                              </a:rPr>
+                              <m:t>1</m:t>
+                            </m:r>
+                          </m:sub>
+                        </m:sSub>
+                        <m:r>
+                          <a:rPr lang="en-US" sz="2800" b="0" i="1" smtClean="0">
+                            <a:latin typeface="Cambria Math" panose="02040503050406030204" pitchFamily="18" charset="0"/>
+                          </a:rPr>
+                          <m:t>,</m:t>
+                        </m:r>
+                        <m:sSub>
+                          <m:sSubPr>
+                            <m:ctrlPr>
+                              <a:rPr lang="en-US" sz="2800" b="0" i="1" smtClean="0">
+                                <a:latin typeface="Cambria Math" panose="02040503050406030204" pitchFamily="18" charset="0"/>
+                              </a:rPr>
+                            </m:ctrlPr>
+                          </m:sSubPr>
+                          <m:e>
+                            <m:r>
+                              <a:rPr lang="en-US" sz="2800" b="0" i="1" smtClean="0">
+                                <a:latin typeface="Cambria Math" panose="02040503050406030204" pitchFamily="18" charset="0"/>
+                              </a:rPr>
+                              <m:t>𝑒</m:t>
+                            </m:r>
+                          </m:e>
+                          <m:sub>
+                            <m:r>
+                              <a:rPr lang="en-US" sz="2800" b="0" i="1" smtClean="0">
+                                <a:latin typeface="Cambria Math" panose="02040503050406030204" pitchFamily="18" charset="0"/>
+                              </a:rPr>
+                              <m:t>2</m:t>
+                            </m:r>
+                          </m:sub>
+                        </m:sSub>
+                        <m:r>
+                          <a:rPr lang="en-US" sz="2800" b="0" i="1" smtClean="0">
+                            <a:latin typeface="Cambria Math" panose="02040503050406030204" pitchFamily="18" charset="0"/>
+                          </a:rPr>
+                          <m:t>,…</m:t>
+                        </m:r>
+                      </m:e>
+                    </m:d>
+                    <m:r>
+                      <a:rPr lang="en-US" sz="2800" b="0" i="1" smtClean="0">
+                        <a:latin typeface="Cambria Math" panose="02040503050406030204" pitchFamily="18" charset="0"/>
+                      </a:rPr>
+                      <m:t> </m:t>
+                    </m:r>
+                  </m:oMath>
+                </a14:m>
+                <a:r>
+                  <a:rPr lang="en-US" sz="2800" dirty="0" smtClean="0">
+                    <a:latin typeface="+mj-lt"/>
+                  </a:rPr>
+                  <a:t>:</a:t>
+                </a:r>
+              </a:p>
+              <a:p>
+                <a:pPr marL="285750" indent="-285750">
+                  <a:buFont typeface="Arial" panose="020B0604020202020204" pitchFamily="34" charset="0"/>
+                  <a:buChar char="•"/>
+                </a:pPr>
+                <a:endParaRPr lang="en-US" sz="2800" b="1" dirty="0" smtClean="0">
+                  <a:latin typeface="+mj-lt"/>
+                </a:endParaRPr>
+              </a:p>
+            </p:txBody>
+          </p:sp>
+        </mc:Choice>
+        <mc:Fallback>
+          <p:sp>
+            <p:nvSpPr>
+              <p:cNvPr id="5" name="TextBox 4"/>
+              <p:cNvSpPr txBox="1">
+                <a:spLocks noRot="1" noChangeAspect="1" noMove="1" noResize="1" noEditPoints="1" noAdjustHandles="1" noChangeArrowheads="1" noChangeShapeType="1" noTextEdit="1"/>
+              </p:cNvSpPr>
+              <p:nvPr/>
+            </p:nvSpPr>
+            <p:spPr>
+              <a:xfrm>
+                <a:off x="1011115" y="1529866"/>
+                <a:ext cx="10649662" cy="954107"/>
+              </a:xfrm>
+              <a:prstGeom prst="rect">
+                <a:avLst/>
+              </a:prstGeom>
+              <a:blipFill>
+                <a:blip r:embed="rId3"/>
+                <a:stretch>
+                  <a:fillRect l="-1202" t="-6410"/>
+                </a:stretch>
+              </a:blipFill>
+            </p:spPr>
+            <p:txBody>
+              <a:bodyPr/>
+              <a:lstStyle/>
+              <a:p>
+                <a:r>
+                  <a:rPr lang="en-US">
+                    <a:noFill/>
+                  </a:rPr>
+                  <a:t> </a:t>
+                </a:r>
+              </a:p>
+            </p:txBody>
+          </p:sp>
+        </mc:Fallback>
+      </mc:AlternateContent>
+      <p:sp>
+        <p:nvSpPr>
+          <p:cNvPr id="16" name="TextBox 15"/>
+          <p:cNvSpPr txBox="1"/>
+          <p:nvPr/>
+        </p:nvSpPr>
+        <p:spPr>
+          <a:xfrm>
+            <a:off x="4580711" y="2619124"/>
+            <a:ext cx="6797670" cy="3046988"/>
+          </a:xfrm>
+          <a:prstGeom prst="rect">
+            <a:avLst/>
+          </a:prstGeom>
+          <a:noFill/>
+        </p:spPr>
+        <p:txBody>
+          <a:bodyPr wrap="square" rtlCol="0">
+            <a:spAutoFit/>
+          </a:bodyPr>
+          <a:lstStyle/>
+          <a:p>
+            <a:r>
+              <a:rPr lang="en-US" sz="2400" b="1" dirty="0" smtClean="0">
+                <a:solidFill>
+                  <a:schemeClr val="bg1">
+                    <a:lumMod val="50000"/>
+                  </a:schemeClr>
+                </a:solidFill>
+                <a:latin typeface="Courier New" panose="02070309020205020404" pitchFamily="49" charset="0"/>
+                <a:cs typeface="Courier New" panose="02070309020205020404" pitchFamily="49" charset="0"/>
+              </a:rPr>
+              <a:t>...</a:t>
+            </a:r>
+          </a:p>
+          <a:p>
+            <a:r>
+              <a:rPr lang="en-US" sz="2400" b="1" dirty="0" smtClean="0">
+                <a:solidFill>
+                  <a:schemeClr val="bg1">
+                    <a:lumMod val="50000"/>
+                  </a:schemeClr>
+                </a:solidFill>
+                <a:latin typeface="Courier New" panose="02070309020205020404" pitchFamily="49" charset="0"/>
+                <a:cs typeface="Courier New" panose="02070309020205020404" pitchFamily="49" charset="0"/>
+              </a:rPr>
+              <a:t>t1</a:t>
+            </a:r>
+          </a:p>
+          <a:p>
+            <a:r>
+              <a:rPr lang="en-US" sz="2400" b="1" dirty="0" smtClean="0">
+                <a:solidFill>
+                  <a:schemeClr val="bg1">
+                    <a:lumMod val="50000"/>
+                  </a:schemeClr>
+                </a:solidFill>
+                <a:latin typeface="Courier New" panose="02070309020205020404" pitchFamily="49" charset="0"/>
+                <a:cs typeface="Courier New" panose="02070309020205020404" pitchFamily="49" charset="0"/>
+              </a:rPr>
+              <a:t>...</a:t>
+            </a:r>
+          </a:p>
+          <a:p>
+            <a:r>
+              <a:rPr lang="en-US" sz="2400" b="1" dirty="0" smtClean="0">
+                <a:solidFill>
+                  <a:schemeClr val="bg1">
+                    <a:lumMod val="50000"/>
+                  </a:schemeClr>
+                </a:solidFill>
+                <a:latin typeface="Courier New" panose="02070309020205020404" pitchFamily="49" charset="0"/>
+                <a:cs typeface="Courier New" panose="02070309020205020404" pitchFamily="49" charset="0"/>
+              </a:rPr>
+              <a:t>t2 = ...</a:t>
+            </a:r>
+            <a:endParaRPr lang="en-US" sz="2400" b="1" dirty="0">
+              <a:solidFill>
+                <a:schemeClr val="bg1">
+                  <a:lumMod val="50000"/>
+                </a:schemeClr>
+              </a:solidFill>
+              <a:latin typeface="Courier New" panose="02070309020205020404" pitchFamily="49" charset="0"/>
+              <a:cs typeface="Courier New" panose="02070309020205020404" pitchFamily="49" charset="0"/>
+            </a:endParaRPr>
+          </a:p>
+          <a:p>
+            <a:r>
+              <a:rPr lang="en-US" sz="2400" b="1" dirty="0" smtClean="0">
+                <a:solidFill>
+                  <a:schemeClr val="bg1">
+                    <a:lumMod val="50000"/>
+                  </a:schemeClr>
+                </a:solidFill>
+                <a:latin typeface="Courier New" panose="02070309020205020404" pitchFamily="49" charset="0"/>
+                <a:cs typeface="Courier New" panose="02070309020205020404" pitchFamily="49" charset="0"/>
+              </a:rPr>
+              <a:t>...</a:t>
+            </a:r>
+            <a:endParaRPr lang="en-US" sz="2400" b="1" dirty="0">
+              <a:solidFill>
+                <a:schemeClr val="bg1">
+                  <a:lumMod val="50000"/>
+                </a:schemeClr>
+              </a:solidFill>
+              <a:latin typeface="Courier New" panose="02070309020205020404" pitchFamily="49" charset="0"/>
+              <a:cs typeface="Courier New" panose="02070309020205020404" pitchFamily="49" charset="0"/>
+            </a:endParaRPr>
+          </a:p>
+          <a:p>
+            <a:r>
+              <a:rPr lang="en-US" sz="2400" b="1" dirty="0" smtClean="0">
+                <a:solidFill>
+                  <a:schemeClr val="bg1">
+                    <a:lumMod val="50000"/>
+                  </a:schemeClr>
+                </a:solidFill>
+                <a:latin typeface="Courier New" panose="02070309020205020404" pitchFamily="49" charset="0"/>
+                <a:cs typeface="Courier New" panose="02070309020205020404" pitchFamily="49" charset="0"/>
+              </a:rPr>
+              <a:t>t3 = ...</a:t>
+            </a:r>
+          </a:p>
+          <a:p>
+            <a:r>
+              <a:rPr lang="en-US" sz="2400" b="1" dirty="0" smtClean="0">
+                <a:latin typeface="Courier New" panose="02070309020205020404" pitchFamily="49" charset="0"/>
+                <a:cs typeface="Courier New" panose="02070309020205020404" pitchFamily="49" charset="0"/>
+              </a:rPr>
+              <a:t>...</a:t>
+            </a:r>
+          </a:p>
+          <a:p>
+            <a:r>
+              <a:rPr lang="en-US" sz="2400" b="1" dirty="0">
+                <a:latin typeface="Courier New" panose="02070309020205020404" pitchFamily="49" charset="0"/>
+                <a:cs typeface="Courier New" panose="02070309020205020404" pitchFamily="49" charset="0"/>
+              </a:rPr>
+              <a:t>t</a:t>
+            </a:r>
+            <a:r>
+              <a:rPr lang="en-US" sz="2400" b="1" dirty="0" smtClean="0">
+                <a:latin typeface="Courier New" panose="02070309020205020404" pitchFamily="49" charset="0"/>
+                <a:cs typeface="Courier New" panose="02070309020205020404" pitchFamily="49" charset="0"/>
+              </a:rPr>
+              <a:t>0 = </a:t>
+            </a:r>
+            <a:r>
+              <a:rPr lang="en-US" sz="2400" b="1" dirty="0" err="1" smtClean="0">
+                <a:solidFill>
+                  <a:srgbClr val="C00000"/>
+                </a:solidFill>
+                <a:latin typeface="Courier New" panose="02070309020205020404" pitchFamily="49" charset="0"/>
+                <a:cs typeface="Courier New" panose="02070309020205020404" pitchFamily="49" charset="0"/>
+              </a:rPr>
+              <a:t>virtual_call</a:t>
+            </a:r>
+            <a:r>
+              <a:rPr lang="en-US" sz="2400" b="1" dirty="0" smtClean="0">
+                <a:latin typeface="Courier New" panose="02070309020205020404" pitchFamily="49" charset="0"/>
+                <a:cs typeface="Courier New" panose="02070309020205020404" pitchFamily="49" charset="0"/>
+              </a:rPr>
+              <a:t> t1.f(t2, t3, ...)</a:t>
+            </a:r>
+          </a:p>
+        </p:txBody>
+      </p:sp>
+      <p:sp>
+        <p:nvSpPr>
+          <p:cNvPr id="35" name="Left Brace 34"/>
+          <p:cNvSpPr/>
+          <p:nvPr/>
+        </p:nvSpPr>
+        <p:spPr>
+          <a:xfrm>
+            <a:off x="4206245" y="2882531"/>
+            <a:ext cx="287383" cy="461555"/>
+          </a:xfrm>
+          <a:prstGeom prst="leftBrace">
+            <a:avLst/>
+          </a:prstGeom>
+          <a:ln w="28575">
+            <a:solidFill>
+              <a:schemeClr val="tx1"/>
+            </a:solidFill>
+          </a:ln>
+        </p:spPr>
+        <p:style>
+          <a:lnRef idx="1">
+            <a:schemeClr val="accent1"/>
+          </a:lnRef>
+          <a:fillRef idx="0">
+            <a:schemeClr val="accent1"/>
+          </a:fillRef>
+          <a:effectRef idx="0">
+            <a:schemeClr val="accent1"/>
+          </a:effectRef>
+          <a:fontRef idx="minor">
+            <a:schemeClr val="tx1"/>
+          </a:fontRef>
+        </p:style>
+        <p:txBody>
+          <a:bodyPr rtlCol="0" anchor="ctr"/>
+          <a:lstStyle/>
+          <a:p>
+            <a:pPr algn="ctr"/>
+            <a:endParaRPr lang="en-US"/>
+          </a:p>
+        </p:txBody>
+      </p:sp>
+      <mc:AlternateContent xmlns:mc="http://schemas.openxmlformats.org/markup-compatibility/2006">
+        <mc:Choice xmlns:a14="http://schemas.microsoft.com/office/drawing/2010/main" Requires="a14">
+          <p:sp>
+            <p:nvSpPr>
+              <p:cNvPr id="36" name="TextBox 35"/>
+              <p:cNvSpPr txBox="1"/>
+              <p:nvPr/>
+            </p:nvSpPr>
+            <p:spPr>
+              <a:xfrm>
+                <a:off x="2906030" y="2820866"/>
+                <a:ext cx="1354184" cy="523220"/>
+              </a:xfrm>
+              <a:prstGeom prst="rect">
+                <a:avLst/>
+              </a:prstGeom>
+              <a:noFill/>
+            </p:spPr>
+            <p:txBody>
+              <a:bodyPr wrap="square" rtlCol="0">
+                <a:spAutoFit/>
+              </a:bodyPr>
+              <a:lstStyle/>
+              <a:p>
+                <a14:m>
+                  <m:oMathPara xmlns:m="http://schemas.openxmlformats.org/officeDocument/2006/math">
+                    <m:oMathParaPr>
+                      <m:jc m:val="centerGroup"/>
+                    </m:oMathParaPr>
+                    <m:oMath xmlns:m="http://schemas.openxmlformats.org/officeDocument/2006/math">
+                      <m:sSub>
+                        <m:sSubPr>
+                          <m:ctrlPr>
+                            <a:rPr lang="en-US" sz="2800" i="1" smtClean="0">
+                              <a:latin typeface="Cambria Math" panose="02040503050406030204" pitchFamily="18" charset="0"/>
+                              <a:cs typeface="Courier New" panose="02070309020205020404" pitchFamily="49" charset="0"/>
+                            </a:rPr>
+                          </m:ctrlPr>
+                        </m:sSubPr>
+                        <m:e>
+                          <m:r>
+                            <a:rPr lang="en-US" sz="2800" b="0" i="1" smtClean="0">
+                              <a:latin typeface="Cambria Math" panose="02040503050406030204" pitchFamily="18" charset="0"/>
+                              <a:cs typeface="Courier New" panose="02070309020205020404" pitchFamily="49" charset="0"/>
+                            </a:rPr>
+                            <m:t>𝑇</m:t>
+                          </m:r>
+                        </m:e>
+                        <m:sub>
+                          <m:r>
+                            <a:rPr lang="en-US" sz="2800" b="0" i="1" smtClean="0">
+                              <a:latin typeface="Cambria Math" panose="02040503050406030204" pitchFamily="18" charset="0"/>
+                              <a:cs typeface="Courier New" panose="02070309020205020404" pitchFamily="49" charset="0"/>
+                            </a:rPr>
+                            <m:t>𝑐</m:t>
+                          </m:r>
+                        </m:sub>
+                      </m:sSub>
+                      <m:r>
+                        <a:rPr lang="en-US" sz="2800" b="0" i="1" smtClean="0">
+                          <a:latin typeface="Cambria Math" panose="02040503050406030204" pitchFamily="18" charset="0"/>
+                          <a:cs typeface="Courier New" panose="02070309020205020404" pitchFamily="49" charset="0"/>
+                        </a:rPr>
+                        <m:t>(</m:t>
+                      </m:r>
+                      <m:r>
+                        <a:rPr lang="en-US" sz="2800" b="0" i="1" smtClean="0">
+                          <a:latin typeface="Cambria Math" panose="02040503050406030204" pitchFamily="18" charset="0"/>
+                          <a:cs typeface="Courier New" panose="02070309020205020404" pitchFamily="49" charset="0"/>
+                        </a:rPr>
+                        <m:t>𝑜</m:t>
+                      </m:r>
+                      <m:r>
+                        <a:rPr lang="en-US" sz="2800" b="0" i="1" smtClean="0">
+                          <a:latin typeface="Cambria Math" panose="02040503050406030204" pitchFamily="18" charset="0"/>
+                          <a:cs typeface="Courier New" panose="02070309020205020404" pitchFamily="49" charset="0"/>
+                        </a:rPr>
+                        <m:t>)</m:t>
+                      </m:r>
+                    </m:oMath>
+                  </m:oMathPara>
+                </a14:m>
+                <a:endParaRPr lang="en-US" sz="2800" dirty="0" smtClean="0">
+                  <a:latin typeface="Courier New" panose="02070309020205020404" pitchFamily="49" charset="0"/>
+                  <a:cs typeface="Courier New" panose="02070309020205020404" pitchFamily="49" charset="0"/>
+                </a:endParaRPr>
+              </a:p>
+            </p:txBody>
+          </p:sp>
+        </mc:Choice>
+        <mc:Fallback>
+          <p:sp>
+            <p:nvSpPr>
+              <p:cNvPr id="36" name="TextBox 35"/>
+              <p:cNvSpPr txBox="1">
+                <a:spLocks noRot="1" noChangeAspect="1" noMove="1" noResize="1" noEditPoints="1" noAdjustHandles="1" noChangeArrowheads="1" noChangeShapeType="1" noTextEdit="1"/>
+              </p:cNvSpPr>
+              <p:nvPr/>
+            </p:nvSpPr>
+            <p:spPr>
+              <a:xfrm>
+                <a:off x="2906030" y="2820866"/>
+                <a:ext cx="1354184" cy="523220"/>
+              </a:xfrm>
+              <a:prstGeom prst="rect">
+                <a:avLst/>
+              </a:prstGeom>
+              <a:blipFill>
+                <a:blip r:embed="rId4"/>
+                <a:stretch>
+                  <a:fillRect/>
+                </a:stretch>
+              </a:blipFill>
+            </p:spPr>
+            <p:txBody>
+              <a:bodyPr/>
+              <a:lstStyle/>
+              <a:p>
+                <a:r>
+                  <a:rPr lang="en-US">
+                    <a:noFill/>
+                  </a:rPr>
+                  <a:t> </a:t>
+                </a:r>
+              </a:p>
+            </p:txBody>
+          </p:sp>
+        </mc:Fallback>
+      </mc:AlternateContent>
+      <p:sp>
+        <p:nvSpPr>
+          <p:cNvPr id="9" name="Left Brace 8"/>
+          <p:cNvSpPr/>
+          <p:nvPr/>
+        </p:nvSpPr>
+        <p:spPr>
+          <a:xfrm>
+            <a:off x="4206245" y="3609683"/>
+            <a:ext cx="287383" cy="461555"/>
+          </a:xfrm>
+          <a:prstGeom prst="leftBrace">
+            <a:avLst/>
+          </a:prstGeom>
+          <a:ln w="28575">
+            <a:solidFill>
+              <a:schemeClr val="tx1"/>
+            </a:solidFill>
+          </a:ln>
+        </p:spPr>
+        <p:style>
+          <a:lnRef idx="1">
+            <a:schemeClr val="accent1"/>
+          </a:lnRef>
+          <a:fillRef idx="0">
+            <a:schemeClr val="accent1"/>
+          </a:fillRef>
+          <a:effectRef idx="0">
+            <a:schemeClr val="accent1"/>
+          </a:effectRef>
+          <a:fontRef idx="minor">
+            <a:schemeClr val="tx1"/>
+          </a:fontRef>
+        </p:style>
+        <p:txBody>
+          <a:bodyPr rtlCol="0" anchor="ctr"/>
+          <a:lstStyle/>
+          <a:p>
+            <a:pPr algn="ctr"/>
+            <a:endParaRPr lang="en-US"/>
+          </a:p>
+        </p:txBody>
+      </p:sp>
+      <mc:AlternateContent xmlns:mc="http://schemas.openxmlformats.org/markup-compatibility/2006">
+        <mc:Choice xmlns:a14="http://schemas.microsoft.com/office/drawing/2010/main" Requires="a14">
+          <p:sp>
+            <p:nvSpPr>
+              <p:cNvPr id="10" name="TextBox 9"/>
+              <p:cNvSpPr txBox="1"/>
+              <p:nvPr/>
+            </p:nvSpPr>
+            <p:spPr>
+              <a:xfrm>
+                <a:off x="2906030" y="3591558"/>
+                <a:ext cx="1354184" cy="523220"/>
+              </a:xfrm>
+              <a:prstGeom prst="rect">
+                <a:avLst/>
+              </a:prstGeom>
+              <a:noFill/>
+            </p:spPr>
+            <p:txBody>
+              <a:bodyPr wrap="square" rtlCol="0">
+                <a:spAutoFit/>
+              </a:bodyPr>
+              <a:lstStyle/>
+              <a:p>
+                <a14:m>
+                  <m:oMathPara xmlns:m="http://schemas.openxmlformats.org/officeDocument/2006/math">
+                    <m:oMathParaPr>
+                      <m:jc m:val="centerGroup"/>
+                    </m:oMathParaPr>
+                    <m:oMath xmlns:m="http://schemas.openxmlformats.org/officeDocument/2006/math">
+                      <m:sSub>
+                        <m:sSubPr>
+                          <m:ctrlPr>
+                            <a:rPr lang="en-US" sz="2800" i="1" smtClean="0">
+                              <a:latin typeface="Cambria Math" panose="02040503050406030204" pitchFamily="18" charset="0"/>
+                              <a:cs typeface="Courier New" panose="02070309020205020404" pitchFamily="49" charset="0"/>
+                            </a:rPr>
+                          </m:ctrlPr>
+                        </m:sSubPr>
+                        <m:e>
+                          <m:r>
+                            <a:rPr lang="en-US" sz="2800" b="0" i="1" smtClean="0">
+                              <a:latin typeface="Cambria Math" panose="02040503050406030204" pitchFamily="18" charset="0"/>
+                              <a:cs typeface="Courier New" panose="02070309020205020404" pitchFamily="49" charset="0"/>
+                            </a:rPr>
+                            <m:t>𝑇</m:t>
+                          </m:r>
+                        </m:e>
+                        <m:sub>
+                          <m:r>
+                            <a:rPr lang="en-US" sz="2800" b="0" i="1" smtClean="0">
+                              <a:latin typeface="Cambria Math" panose="02040503050406030204" pitchFamily="18" charset="0"/>
+                              <a:cs typeface="Courier New" panose="02070309020205020404" pitchFamily="49" charset="0"/>
+                            </a:rPr>
+                            <m:t>𝑐</m:t>
+                          </m:r>
+                        </m:sub>
+                      </m:sSub>
+                      <m:r>
+                        <a:rPr lang="en-US" sz="2800" b="0" i="1" smtClean="0">
+                          <a:latin typeface="Cambria Math" panose="02040503050406030204" pitchFamily="18" charset="0"/>
+                          <a:cs typeface="Courier New" panose="02070309020205020404" pitchFamily="49" charset="0"/>
+                        </a:rPr>
+                        <m:t>(</m:t>
+                      </m:r>
+                      <m:sSub>
+                        <m:sSubPr>
+                          <m:ctrlPr>
+                            <a:rPr lang="en-US" sz="2800" b="0" i="1" smtClean="0">
+                              <a:latin typeface="Cambria Math" panose="02040503050406030204" pitchFamily="18" charset="0"/>
+                              <a:cs typeface="Courier New" panose="02070309020205020404" pitchFamily="49" charset="0"/>
+                            </a:rPr>
+                          </m:ctrlPr>
+                        </m:sSubPr>
+                        <m:e>
+                          <m:r>
+                            <a:rPr lang="en-US" sz="2800" b="0" i="1" smtClean="0">
+                              <a:latin typeface="Cambria Math" panose="02040503050406030204" pitchFamily="18" charset="0"/>
+                              <a:cs typeface="Courier New" panose="02070309020205020404" pitchFamily="49" charset="0"/>
+                            </a:rPr>
+                            <m:t>𝑒</m:t>
+                          </m:r>
+                        </m:e>
+                        <m:sub>
+                          <m:r>
+                            <a:rPr lang="en-US" sz="2800" b="0" i="1" smtClean="0">
+                              <a:latin typeface="Cambria Math" panose="02040503050406030204" pitchFamily="18" charset="0"/>
+                              <a:cs typeface="Courier New" panose="02070309020205020404" pitchFamily="49" charset="0"/>
+                            </a:rPr>
+                            <m:t>1</m:t>
+                          </m:r>
+                        </m:sub>
+                      </m:sSub>
+                      <m:r>
+                        <a:rPr lang="en-US" sz="2800" b="0" i="1" smtClean="0">
+                          <a:latin typeface="Cambria Math" panose="02040503050406030204" pitchFamily="18" charset="0"/>
+                          <a:cs typeface="Courier New" panose="02070309020205020404" pitchFamily="49" charset="0"/>
+                        </a:rPr>
+                        <m:t>)</m:t>
+                      </m:r>
+                    </m:oMath>
+                  </m:oMathPara>
+                </a14:m>
+                <a:endParaRPr lang="en-US" sz="2800" dirty="0" smtClean="0">
+                  <a:latin typeface="Courier New" panose="02070309020205020404" pitchFamily="49" charset="0"/>
+                  <a:cs typeface="Courier New" panose="02070309020205020404" pitchFamily="49" charset="0"/>
+                </a:endParaRPr>
+              </a:p>
+            </p:txBody>
+          </p:sp>
+        </mc:Choice>
+        <mc:Fallback>
+          <p:sp>
+            <p:nvSpPr>
+              <p:cNvPr id="10" name="TextBox 9"/>
+              <p:cNvSpPr txBox="1">
+                <a:spLocks noRot="1" noChangeAspect="1" noMove="1" noResize="1" noEditPoints="1" noAdjustHandles="1" noChangeArrowheads="1" noChangeShapeType="1" noTextEdit="1"/>
+              </p:cNvSpPr>
+              <p:nvPr/>
+            </p:nvSpPr>
+            <p:spPr>
+              <a:xfrm>
+                <a:off x="2906030" y="3591558"/>
+                <a:ext cx="1354184" cy="523220"/>
+              </a:xfrm>
+              <a:prstGeom prst="rect">
+                <a:avLst/>
+              </a:prstGeom>
+              <a:blipFill>
+                <a:blip r:embed="rId5"/>
+                <a:stretch>
+                  <a:fillRect/>
+                </a:stretch>
+              </a:blipFill>
+            </p:spPr>
+            <p:txBody>
+              <a:bodyPr/>
+              <a:lstStyle/>
+              <a:p>
+                <a:r>
+                  <a:rPr lang="en-US">
+                    <a:noFill/>
+                  </a:rPr>
+                  <a:t> </a:t>
+                </a:r>
+              </a:p>
+            </p:txBody>
+          </p:sp>
+        </mc:Fallback>
+      </mc:AlternateContent>
+      <mc:AlternateContent xmlns:mc="http://schemas.openxmlformats.org/markup-compatibility/2006">
+        <mc:Choice xmlns:a14="http://schemas.microsoft.com/office/drawing/2010/main" Requires="a14">
+          <p:sp>
+            <p:nvSpPr>
+              <p:cNvPr id="15" name="TextBox 14"/>
+              <p:cNvSpPr txBox="1"/>
+              <p:nvPr/>
+            </p:nvSpPr>
+            <p:spPr>
+              <a:xfrm>
+                <a:off x="2906030" y="4285217"/>
+                <a:ext cx="1354184" cy="523220"/>
+              </a:xfrm>
+              <a:prstGeom prst="rect">
+                <a:avLst/>
+              </a:prstGeom>
+              <a:noFill/>
+            </p:spPr>
+            <p:txBody>
+              <a:bodyPr wrap="square" rtlCol="0">
+                <a:spAutoFit/>
+              </a:bodyPr>
+              <a:lstStyle/>
+              <a:p>
+                <a14:m>
+                  <m:oMathPara xmlns:m="http://schemas.openxmlformats.org/officeDocument/2006/math">
+                    <m:oMathParaPr>
+                      <m:jc m:val="centerGroup"/>
+                    </m:oMathParaPr>
+                    <m:oMath xmlns:m="http://schemas.openxmlformats.org/officeDocument/2006/math">
+                      <m:sSub>
+                        <m:sSubPr>
+                          <m:ctrlPr>
+                            <a:rPr lang="en-US" sz="2800" i="1" smtClean="0">
+                              <a:latin typeface="Cambria Math" panose="02040503050406030204" pitchFamily="18" charset="0"/>
+                              <a:cs typeface="Courier New" panose="02070309020205020404" pitchFamily="49" charset="0"/>
+                            </a:rPr>
+                          </m:ctrlPr>
+                        </m:sSubPr>
+                        <m:e>
+                          <m:r>
+                            <a:rPr lang="en-US" sz="2800" b="0" i="1" smtClean="0">
+                              <a:latin typeface="Cambria Math" panose="02040503050406030204" pitchFamily="18" charset="0"/>
+                              <a:cs typeface="Courier New" panose="02070309020205020404" pitchFamily="49" charset="0"/>
+                            </a:rPr>
+                            <m:t>𝑇</m:t>
+                          </m:r>
+                        </m:e>
+                        <m:sub>
+                          <m:r>
+                            <a:rPr lang="en-US" sz="2800" b="0" i="1" smtClean="0">
+                              <a:latin typeface="Cambria Math" panose="02040503050406030204" pitchFamily="18" charset="0"/>
+                              <a:cs typeface="Courier New" panose="02070309020205020404" pitchFamily="49" charset="0"/>
+                            </a:rPr>
+                            <m:t>𝑐</m:t>
+                          </m:r>
+                        </m:sub>
+                      </m:sSub>
+                      <m:r>
+                        <a:rPr lang="en-US" sz="2800" b="0" i="1" smtClean="0">
+                          <a:latin typeface="Cambria Math" panose="02040503050406030204" pitchFamily="18" charset="0"/>
+                          <a:cs typeface="Courier New" panose="02070309020205020404" pitchFamily="49" charset="0"/>
+                        </a:rPr>
+                        <m:t>(</m:t>
+                      </m:r>
+                      <m:sSub>
+                        <m:sSubPr>
+                          <m:ctrlPr>
+                            <a:rPr lang="en-US" sz="2800" b="0" i="1" smtClean="0">
+                              <a:latin typeface="Cambria Math" panose="02040503050406030204" pitchFamily="18" charset="0"/>
+                              <a:cs typeface="Courier New" panose="02070309020205020404" pitchFamily="49" charset="0"/>
+                            </a:rPr>
+                          </m:ctrlPr>
+                        </m:sSubPr>
+                        <m:e>
+                          <m:r>
+                            <a:rPr lang="en-US" sz="2800" b="0" i="1" smtClean="0">
+                              <a:latin typeface="Cambria Math" panose="02040503050406030204" pitchFamily="18" charset="0"/>
+                              <a:cs typeface="Courier New" panose="02070309020205020404" pitchFamily="49" charset="0"/>
+                            </a:rPr>
+                            <m:t>𝑒</m:t>
+                          </m:r>
+                        </m:e>
+                        <m:sub>
+                          <m:r>
+                            <a:rPr lang="en-US" sz="2800" b="0" i="1" smtClean="0">
+                              <a:latin typeface="Cambria Math" panose="02040503050406030204" pitchFamily="18" charset="0"/>
+                              <a:cs typeface="Courier New" panose="02070309020205020404" pitchFamily="49" charset="0"/>
+                            </a:rPr>
+                            <m:t>2</m:t>
+                          </m:r>
+                        </m:sub>
+                      </m:sSub>
+                      <m:r>
+                        <a:rPr lang="en-US" sz="2800" b="0" i="1" smtClean="0">
+                          <a:latin typeface="Cambria Math" panose="02040503050406030204" pitchFamily="18" charset="0"/>
+                          <a:cs typeface="Courier New" panose="02070309020205020404" pitchFamily="49" charset="0"/>
+                        </a:rPr>
+                        <m:t>)</m:t>
+                      </m:r>
+                    </m:oMath>
+                  </m:oMathPara>
+                </a14:m>
+                <a:endParaRPr lang="en-US" sz="2800" dirty="0" smtClean="0">
+                  <a:latin typeface="Courier New" panose="02070309020205020404" pitchFamily="49" charset="0"/>
+                  <a:cs typeface="Courier New" panose="02070309020205020404" pitchFamily="49" charset="0"/>
+                </a:endParaRPr>
+              </a:p>
+            </p:txBody>
+          </p:sp>
+        </mc:Choice>
+        <mc:Fallback>
+          <p:sp>
+            <p:nvSpPr>
+              <p:cNvPr id="15" name="TextBox 14"/>
+              <p:cNvSpPr txBox="1">
+                <a:spLocks noRot="1" noChangeAspect="1" noMove="1" noResize="1" noEditPoints="1" noAdjustHandles="1" noChangeArrowheads="1" noChangeShapeType="1" noTextEdit="1"/>
+              </p:cNvSpPr>
+              <p:nvPr/>
+            </p:nvSpPr>
+            <p:spPr>
+              <a:xfrm>
+                <a:off x="2906030" y="4285217"/>
+                <a:ext cx="1354184" cy="523220"/>
+              </a:xfrm>
+              <a:prstGeom prst="rect">
+                <a:avLst/>
+              </a:prstGeom>
+              <a:blipFill>
+                <a:blip r:embed="rId6"/>
+                <a:stretch>
+                  <a:fillRect/>
+                </a:stretch>
+              </a:blipFill>
+            </p:spPr>
+            <p:txBody>
+              <a:bodyPr/>
+              <a:lstStyle/>
+              <a:p>
+                <a:r>
+                  <a:rPr lang="en-US">
+                    <a:noFill/>
+                  </a:rPr>
+                  <a:t> </a:t>
+                </a:r>
+              </a:p>
+            </p:txBody>
+          </p:sp>
+        </mc:Fallback>
+      </mc:AlternateContent>
+      <p:sp>
+        <p:nvSpPr>
+          <p:cNvPr id="17" name="Left Brace 16"/>
+          <p:cNvSpPr/>
+          <p:nvPr/>
+        </p:nvSpPr>
+        <p:spPr>
+          <a:xfrm>
+            <a:off x="4206245" y="4336835"/>
+            <a:ext cx="287383" cy="461555"/>
+          </a:xfrm>
+          <a:prstGeom prst="leftBrace">
+            <a:avLst/>
+          </a:prstGeom>
+          <a:ln w="28575">
+            <a:solidFill>
+              <a:schemeClr val="tx1"/>
+            </a:solidFill>
+          </a:ln>
+        </p:spPr>
+        <p:style>
+          <a:lnRef idx="1">
+            <a:schemeClr val="accent1"/>
+          </a:lnRef>
+          <a:fillRef idx="0">
+            <a:schemeClr val="accent1"/>
+          </a:fillRef>
+          <a:effectRef idx="0">
+            <a:schemeClr val="accent1"/>
+          </a:effectRef>
+          <a:fontRef idx="minor">
+            <a:schemeClr val="tx1"/>
+          </a:fontRef>
+        </p:style>
+        <p:txBody>
+          <a:bodyPr rtlCol="0" anchor="ctr"/>
+          <a:lstStyle/>
+          <a:p>
+            <a:pPr algn="ctr"/>
+            <a:endParaRPr lang="en-US"/>
+          </a:p>
+        </p:txBody>
+      </p:sp>
+    </p:spTree>
+    <p:extLst>
+      <p:ext uri="{BB962C8B-B14F-4D97-AF65-F5344CB8AC3E}">
+        <p14:creationId xmlns:p14="http://schemas.microsoft.com/office/powerpoint/2010/main" val="235770943"/>
+      </p:ext>
+    </p:extLst>
+  </p:cSld>
+  <p:clrMapOvr>
+    <a:masterClrMapping/>
+  </p:clrMapOvr>
+  <p:timing>
+    <p:tnLst>
+      <p:par>
+        <p:cTn id="1" dur="indefinite" restart="never" nodeType="tmRoot"/>
+      </p:par>
+    </p:tnLst>
+  </p:timing>
+</p:sld>
+</file>
+
+<file path=ppt/slides/slide2.xml><?xml version="1.0" encoding="utf-8"?>
+<p:sld xmlns:a="http://schemas.openxmlformats.org/drawingml/2006/main" xmlns:r="http://schemas.openxmlformats.org/officeDocument/2006/relationships" xmlns:p="http://schemas.openxmlformats.org/presentationml/2006/main">
+  <p:cSld>
+    <p:spTree>
+      <p:nvGrpSpPr>
+        <p:cNvPr id="1" name=""/>
+        <p:cNvGrpSpPr/>
+        <p:nvPr/>
+      </p:nvGrpSpPr>
+      <p:grpSpPr>
+        <a:xfrm>
+          <a:off x="0" y="0"/>
+          <a:ext cx="0" cy="0"/>
+          <a:chOff x="0" y="0"/>
+          <a:chExt cx="0" cy="0"/>
+        </a:xfrm>
+      </p:grpSpPr>
+      <p:sp>
+        <p:nvSpPr>
+          <p:cNvPr id="4" name="TextBox 3"/>
+          <p:cNvSpPr txBox="1"/>
+          <p:nvPr/>
+        </p:nvSpPr>
+        <p:spPr>
+          <a:xfrm>
+            <a:off x="1011115" y="698869"/>
+            <a:ext cx="10137964" cy="830997"/>
+          </a:xfrm>
+          <a:prstGeom prst="rect">
+            <a:avLst/>
+          </a:prstGeom>
+          <a:noFill/>
+        </p:spPr>
+        <p:txBody>
+          <a:bodyPr wrap="square" rtlCol="0">
+            <a:spAutoFit/>
+          </a:bodyPr>
+          <a:lstStyle/>
+          <a:p>
+            <a:r>
+              <a:rPr lang="en-US" sz="4800" dirty="0" smtClean="0">
+                <a:latin typeface="+mj-lt"/>
+              </a:rPr>
+              <a:t>Intermediate Representation</a:t>
+            </a:r>
+            <a:endParaRPr lang="en-US" sz="4800" dirty="0">
+              <a:latin typeface="+mj-lt"/>
+            </a:endParaRPr>
+          </a:p>
+        </p:txBody>
+      </p:sp>
+      <p:sp>
+        <p:nvSpPr>
+          <p:cNvPr id="5" name="TextBox 4"/>
+          <p:cNvSpPr txBox="1"/>
+          <p:nvPr/>
+        </p:nvSpPr>
+        <p:spPr>
+          <a:xfrm>
+            <a:off x="1011115" y="1529866"/>
+            <a:ext cx="10308272" cy="1384995"/>
+          </a:xfrm>
+          <a:prstGeom prst="rect">
+            <a:avLst/>
+          </a:prstGeom>
+          <a:noFill/>
+        </p:spPr>
+        <p:txBody>
+          <a:bodyPr wrap="square" rtlCol="0">
+            <a:spAutoFit/>
+          </a:bodyPr>
+          <a:lstStyle/>
+          <a:p>
+            <a:pPr marL="285750" indent="-285750">
+              <a:buFont typeface="Arial" panose="020B0604020202020204" pitchFamily="34" charset="0"/>
+              <a:buChar char="•"/>
+            </a:pPr>
+            <a:r>
+              <a:rPr lang="en-US" sz="2800" dirty="0" smtClean="0">
+                <a:latin typeface="+mj-lt"/>
+              </a:rPr>
+              <a:t>Allows </a:t>
+            </a:r>
+            <a:r>
+              <a:rPr lang="en-US" sz="2800" b="1" dirty="0" smtClean="0">
+                <a:latin typeface="+mj-lt"/>
+              </a:rPr>
+              <a:t>language</a:t>
+            </a:r>
+            <a:r>
+              <a:rPr lang="en-US" sz="2800" dirty="0" smtClean="0">
+                <a:latin typeface="+mj-lt"/>
+              </a:rPr>
+              <a:t> and </a:t>
+            </a:r>
+            <a:r>
+              <a:rPr lang="en-US" sz="2800" b="1" dirty="0" smtClean="0">
+                <a:latin typeface="+mj-lt"/>
+              </a:rPr>
+              <a:t>machine</a:t>
+            </a:r>
+            <a:r>
+              <a:rPr lang="en-US" sz="2800" dirty="0" smtClean="0">
+                <a:latin typeface="+mj-lt"/>
+              </a:rPr>
+              <a:t> independent optimizations</a:t>
+            </a:r>
+          </a:p>
+          <a:p>
+            <a:pPr marL="285750" indent="-285750">
+              <a:buFont typeface="Arial" panose="020B0604020202020204" pitchFamily="34" charset="0"/>
+              <a:buChar char="•"/>
+            </a:pPr>
+            <a:r>
+              <a:rPr lang="en-US" sz="2800" dirty="0" smtClean="0">
+                <a:latin typeface="+mj-lt"/>
+              </a:rPr>
+              <a:t>Translated from the AST</a:t>
+            </a:r>
+          </a:p>
+          <a:p>
+            <a:pPr marL="285750" indent="-285750">
+              <a:buFont typeface="Arial" panose="020B0604020202020204" pitchFamily="34" charset="0"/>
+              <a:buChar char="•"/>
+            </a:pPr>
+            <a:r>
+              <a:rPr lang="en-US" sz="2800" dirty="0" smtClean="0">
+                <a:latin typeface="+mj-lt"/>
+              </a:rPr>
+              <a:t>Translated to machine code</a:t>
+            </a:r>
+          </a:p>
+        </p:txBody>
+      </p:sp>
+    </p:spTree>
+    <p:extLst>
+      <p:ext uri="{BB962C8B-B14F-4D97-AF65-F5344CB8AC3E}">
+        <p14:creationId xmlns:p14="http://schemas.microsoft.com/office/powerpoint/2010/main" val="1430515106"/>
+      </p:ext>
+    </p:extLst>
+  </p:cSld>
+  <p:clrMapOvr>
+    <a:masterClrMapping/>
+  </p:clrMapOvr>
+  <p:timing>
+    <p:tnLst>
+      <p:par>
+        <p:cTn id="1" dur="indefinite" restart="never" nodeType="tmRoot"/>
+      </p:par>
+    </p:tnLst>
+  </p:timing>
+</p:sld>
+</file>
+
+<file path=ppt/slides/slide20.xml><?xml version="1.0" encoding="utf-8"?>
+<p:sld xmlns:a="http://schemas.openxmlformats.org/drawingml/2006/main" xmlns:r="http://schemas.openxmlformats.org/officeDocument/2006/relationships" xmlns:p="http://schemas.openxmlformats.org/presentationml/2006/main">
+  <p:cSld>
+    <p:spTree>
+      <p:nvGrpSpPr>
+        <p:cNvPr id="1" name=""/>
+        <p:cNvGrpSpPr/>
+        <p:nvPr/>
+      </p:nvGrpSpPr>
+      <p:grpSpPr>
+        <a:xfrm>
+          <a:off x="0" y="0"/>
+          <a:ext cx="0" cy="0"/>
+          <a:chOff x="0" y="0"/>
+          <a:chExt cx="0" cy="0"/>
+        </a:xfrm>
+      </p:grpSpPr>
+      <p:sp>
+        <p:nvSpPr>
+          <p:cNvPr id="4" name="TextBox 3"/>
+          <p:cNvSpPr txBox="1"/>
+          <p:nvPr/>
+        </p:nvSpPr>
+        <p:spPr>
+          <a:xfrm>
+            <a:off x="1011115" y="668215"/>
+            <a:ext cx="10137964" cy="830997"/>
+          </a:xfrm>
+          <a:prstGeom prst="rect">
+            <a:avLst/>
+          </a:prstGeom>
+          <a:noFill/>
+        </p:spPr>
+        <p:txBody>
+          <a:bodyPr wrap="square" rtlCol="0">
+            <a:spAutoFit/>
+          </a:bodyPr>
+          <a:lstStyle/>
+          <a:p>
+            <a:r>
+              <a:rPr lang="en-US" sz="4800" dirty="0" smtClean="0">
+                <a:latin typeface="+mj-lt"/>
+              </a:rPr>
+              <a:t>Translating Statements</a:t>
             </a:r>
             <a:endParaRPr lang="en-US" sz="4800" dirty="0">
               <a:latin typeface="+mj-lt"/>
@@ -14690,10 +16108,20 @@
           <a:p>
             <a:r>
               <a:rPr lang="en-US" sz="2400" b="1" dirty="0" smtClean="0">
-                <a:latin typeface="Courier New" panose="02070309020205020404" pitchFamily="49" charset="0"/>
-                <a:cs typeface="Courier New" panose="02070309020205020404" pitchFamily="49" charset="0"/>
-              </a:rPr>
-              <a:t>return t1</a:t>
+                <a:solidFill>
+                  <a:srgbClr val="C00000"/>
+                </a:solidFill>
+                <a:latin typeface="Courier New" panose="02070309020205020404" pitchFamily="49" charset="0"/>
+                <a:cs typeface="Courier New" panose="02070309020205020404" pitchFamily="49" charset="0"/>
+              </a:rPr>
+              <a:t>return</a:t>
+            </a:r>
+            <a:r>
+              <a:rPr lang="en-US" sz="2400" b="1" dirty="0" smtClean="0">
+                <a:latin typeface="Courier New" panose="02070309020205020404" pitchFamily="49" charset="0"/>
+                <a:cs typeface="Courier New" panose="02070309020205020404" pitchFamily="49" charset="0"/>
+              </a:rPr>
+              <a:t> t1</a:t>
             </a:r>
           </a:p>
         </p:txBody>
@@ -14890,161 +16318,7 @@
 </p:sld>
 </file>
 
-<file path=ppt/slides/slide2.xml><?xml version="1.0" encoding="utf-8"?>
-<p:sld xmlns:a="http://schemas.openxmlformats.org/drawingml/2006/main" xmlns:r="http://schemas.openxmlformats.org/officeDocument/2006/relationships" xmlns:p="http://schemas.openxmlformats.org/presentationml/2006/main">
-  <p:cSld>
-    <p:spTree>
-      <p:nvGrpSpPr>
-        <p:cNvPr id="1" name=""/>
-        <p:cNvGrpSpPr/>
-        <p:nvPr/>
-      </p:nvGrpSpPr>
-      <p:grpSpPr>
-        <a:xfrm>
-          <a:off x="0" y="0"/>
-          <a:ext cx="0" cy="0"/>
-          <a:chOff x="0" y="0"/>
-          <a:chExt cx="0" cy="0"/>
-        </a:xfrm>
-      </p:grpSpPr>
-      <p:sp>
-        <p:nvSpPr>
-          <p:cNvPr id="4" name="TextBox 3"/>
-          <p:cNvSpPr txBox="1"/>
-          <p:nvPr/>
-        </p:nvSpPr>
-        <p:spPr>
-          <a:xfrm>
-            <a:off x="1011115" y="698869"/>
-            <a:ext cx="10137964" cy="830997"/>
-          </a:xfrm>
-          <a:prstGeom prst="rect">
-            <a:avLst/>
-          </a:prstGeom>
-          <a:noFill/>
-        </p:spPr>
-        <p:txBody>
-          <a:bodyPr wrap="square" rtlCol="0">
-            <a:spAutoFit/>
-          </a:bodyPr>
-          <a:lstStyle/>
-          <a:p>
-            <a:r>
-              <a:rPr lang="en-US" sz="4800" dirty="0" smtClean="0">
-                <a:latin typeface="+mj-lt"/>
-              </a:rPr>
-              <a:t>Intermediate Representation</a:t>
-            </a:r>
-            <a:endParaRPr lang="en-US" sz="4800" dirty="0">
-              <a:latin typeface="+mj-lt"/>
-            </a:endParaRPr>
-          </a:p>
-        </p:txBody>
-      </p:sp>
-      <p:sp>
-        <p:nvSpPr>
-          <p:cNvPr id="5" name="TextBox 4"/>
-          <p:cNvSpPr txBox="1"/>
-          <p:nvPr/>
-        </p:nvSpPr>
-        <p:spPr>
-          <a:xfrm>
-            <a:off x="1011115" y="1529866"/>
-            <a:ext cx="10308272" cy="1384995"/>
-          </a:xfrm>
-          <a:prstGeom prst="rect">
-            <a:avLst/>
-          </a:prstGeom>
-          <a:noFill/>
-        </p:spPr>
-        <p:txBody>
-          <a:bodyPr wrap="square" rtlCol="0">
-            <a:spAutoFit/>
-          </a:bodyPr>
-          <a:lstStyle/>
-          <a:p>
-            <a:pPr marL="285750" indent="-285750">
-              <a:buFont typeface="Arial" panose="020B0604020202020204" pitchFamily="34" charset="0"/>
-              <a:buChar char="•"/>
-            </a:pPr>
-            <a:r>
-              <a:rPr lang="en-US" sz="2800" dirty="0" smtClean="0">
-                <a:latin typeface="+mj-lt"/>
-              </a:rPr>
-              <a:t>Allows </a:t>
-            </a:r>
-            <a:r>
-              <a:rPr lang="en-US" sz="2800" b="1" dirty="0" smtClean="0">
-                <a:latin typeface="+mj-lt"/>
-              </a:rPr>
-              <a:t>language</a:t>
-            </a:r>
-            <a:r>
-              <a:rPr lang="en-US" sz="2800" dirty="0" smtClean="0">
-                <a:latin typeface="+mj-lt"/>
-              </a:rPr>
-              <a:t> and </a:t>
-            </a:r>
-            <a:r>
-              <a:rPr lang="en-US" sz="2800" b="1" dirty="0" smtClean="0">
-                <a:latin typeface="+mj-lt"/>
-              </a:rPr>
-              <a:t>machine</a:t>
-            </a:r>
-            <a:r>
-              <a:rPr lang="en-US" sz="2800" dirty="0" smtClean="0">
-                <a:latin typeface="+mj-lt"/>
-              </a:rPr>
-              <a:t> independent optimizations:</a:t>
-            </a:r>
-          </a:p>
-          <a:p>
-            <a:pPr marL="285750" indent="-285750">
-              <a:buFont typeface="Arial" panose="020B0604020202020204" pitchFamily="34" charset="0"/>
-              <a:buChar char="•"/>
-            </a:pPr>
-            <a:r>
-              <a:rPr lang="en-US" sz="2800" dirty="0" smtClean="0">
-                <a:latin typeface="+mj-lt"/>
-              </a:rPr>
-              <a:t>Translated from the AST</a:t>
-            </a:r>
-          </a:p>
-          <a:p>
-            <a:pPr marL="285750" indent="-285750">
-              <a:buFont typeface="Arial" panose="020B0604020202020204" pitchFamily="34" charset="0"/>
-              <a:buChar char="•"/>
-            </a:pPr>
-            <a:r>
-              <a:rPr lang="en-US" sz="2800" dirty="0" smtClean="0">
-                <a:latin typeface="+mj-lt"/>
-              </a:rPr>
-              <a:t>Translated to machine code</a:t>
-            </a:r>
-          </a:p>
-        </p:txBody>
-      </p:sp>
-    </p:spTree>
-    <p:extLst>
-      <p:ext uri="{BB962C8B-B14F-4D97-AF65-F5344CB8AC3E}">
-        <p14:creationId xmlns:p14="http://schemas.microsoft.com/office/powerpoint/2010/main" val="1430515106"/>
-      </p:ext>
-    </p:extLst>
-  </p:cSld>
-  <p:clrMapOvr>
-    <a:masterClrMapping/>
-  </p:clrMapOvr>
-  <p:timing>
-    <p:tnLst>
-      <p:par>
-        <p:cTn id="1" dur="indefinite" restart="never" nodeType="tmRoot"/>
-      </p:par>
-    </p:tnLst>
-  </p:timing>
-</p:sld>
-</file>
-
-<file path=ppt/slides/slide20.xml><?xml version="1.0" encoding="utf-8"?>
+<file path=ppt/slides/slide21.xml><?xml version="1.0" encoding="utf-8"?>
 <p:sld xmlns:a="http://schemas.openxmlformats.org/drawingml/2006/main" xmlns:r="http://schemas.openxmlformats.org/officeDocument/2006/relationships" xmlns:p="http://schemas.openxmlformats.org/presentationml/2006/main">
   <p:cSld>
     <p:spTree>
@@ -15432,7 +16706,7 @@
 </p:sld>
 </file>
 
-<file path=ppt/slides/slide21.xml><?xml version="1.0" encoding="utf-8"?>
+<file path=ppt/slides/slide22.xml><?xml version="1.0" encoding="utf-8"?>
 <p:sld xmlns:a="http://schemas.openxmlformats.org/drawingml/2006/main" xmlns:r="http://schemas.openxmlformats.org/officeDocument/2006/relationships" xmlns:p="http://schemas.openxmlformats.org/presentationml/2006/main">
   <p:cSld>
     <p:spTree>
@@ -15852,7 +17126,7 @@
 </p:sld>
 </file>
 
-<file path=ppt/slides/slide22.xml><?xml version="1.0" encoding="utf-8"?>
+<file path=ppt/slides/slide23.xml><?xml version="1.0" encoding="utf-8"?>
 <p:sld xmlns:a="http://schemas.openxmlformats.org/drawingml/2006/main" xmlns:r="http://schemas.openxmlformats.org/officeDocument/2006/relationships" xmlns:p="http://schemas.openxmlformats.org/presentationml/2006/main">
   <p:cSld>
     <p:spTree>
@@ -16241,7 +17515,7 @@
 </p:sld>
 </file>
 
-<file path=ppt/slides/slide23.xml><?xml version="1.0" encoding="utf-8"?>
+<file path=ppt/slides/slide24.xml><?xml version="1.0" encoding="utf-8"?>
 <p:sld xmlns:a="http://schemas.openxmlformats.org/drawingml/2006/main" xmlns:r="http://schemas.openxmlformats.org/officeDocument/2006/relationships" xmlns:p="http://schemas.openxmlformats.org/presentationml/2006/main">
   <p:cSld>
     <p:spTree>
@@ -16693,7 +17967,7 @@
 </p:sld>
 </file>
 
-<file path=ppt/slides/slide24.xml><?xml version="1.0" encoding="utf-8"?>
+<file path=ppt/slides/slide25.xml><?xml version="1.0" encoding="utf-8"?>
 <p:sld xmlns:a="http://schemas.openxmlformats.org/drawingml/2006/main" xmlns:r="http://schemas.openxmlformats.org/officeDocument/2006/relationships" xmlns:p="http://schemas.openxmlformats.org/presentationml/2006/main">
   <p:cSld>
     <p:spTree>
@@ -17102,6 +18376,423 @@
     <p:extLst>
       <p:ext uri="{BB962C8B-B14F-4D97-AF65-F5344CB8AC3E}">
         <p14:creationId xmlns:p14="http://schemas.microsoft.com/office/powerpoint/2010/main" val="616602984"/>
+      </p:ext>
+    </p:extLst>
+  </p:cSld>
+  <p:clrMapOvr>
+    <a:masterClrMapping/>
+  </p:clrMapOvr>
+  <p:timing>
+    <p:tnLst>
+      <p:par>
+        <p:cTn id="1" dur="indefinite" restart="never" nodeType="tmRoot"/>
+      </p:par>
+    </p:tnLst>
+  </p:timing>
+</p:sld>
+</file>
+
+<file path=ppt/slides/slide26.xml><?xml version="1.0" encoding="utf-8"?>
+<p:sld xmlns:a="http://schemas.openxmlformats.org/drawingml/2006/main" xmlns:r="http://schemas.openxmlformats.org/officeDocument/2006/relationships" xmlns:p="http://schemas.openxmlformats.org/presentationml/2006/main">
+  <p:cSld>
+    <p:spTree>
+      <p:nvGrpSpPr>
+        <p:cNvPr id="1" name=""/>
+        <p:cNvGrpSpPr/>
+        <p:nvPr/>
+      </p:nvGrpSpPr>
+      <p:grpSpPr>
+        <a:xfrm>
+          <a:off x="0" y="0"/>
+          <a:ext cx="0" cy="0"/>
+          <a:chOff x="0" y="0"/>
+          <a:chExt cx="0" cy="0"/>
+        </a:xfrm>
+      </p:grpSpPr>
+      <p:sp>
+        <p:nvSpPr>
+          <p:cNvPr id="4" name="TextBox 3"/>
+          <p:cNvSpPr txBox="1"/>
+          <p:nvPr/>
+        </p:nvSpPr>
+        <p:spPr>
+          <a:xfrm>
+            <a:off x="1011115" y="668215"/>
+            <a:ext cx="10137964" cy="830997"/>
+          </a:xfrm>
+          <a:prstGeom prst="rect">
+            <a:avLst/>
+          </a:prstGeom>
+          <a:noFill/>
+        </p:spPr>
+        <p:txBody>
+          <a:bodyPr wrap="square" rtlCol="0">
+            <a:spAutoFit/>
+          </a:bodyPr>
+          <a:lstStyle/>
+          <a:p>
+            <a:r>
+              <a:rPr lang="en-US" sz="4800" dirty="0" smtClean="0">
+                <a:latin typeface="+mj-lt"/>
+              </a:rPr>
+              <a:t>Alternative Representation</a:t>
+            </a:r>
+            <a:endParaRPr lang="en-US" sz="4800" dirty="0">
+              <a:latin typeface="+mj-lt"/>
+            </a:endParaRPr>
+          </a:p>
+        </p:txBody>
+      </p:sp>
+      <p:sp>
+        <p:nvSpPr>
+          <p:cNvPr id="5" name="TextBox 4"/>
+          <p:cNvSpPr txBox="1"/>
+          <p:nvPr/>
+        </p:nvSpPr>
+        <p:spPr>
+          <a:xfrm>
+            <a:off x="1011115" y="1529866"/>
+            <a:ext cx="10649662" cy="523220"/>
+          </a:xfrm>
+          <a:prstGeom prst="rect">
+            <a:avLst/>
+          </a:prstGeom>
+          <a:noFill/>
+        </p:spPr>
+        <p:txBody>
+          <a:bodyPr wrap="square" rtlCol="0">
+            <a:spAutoFit/>
+          </a:bodyPr>
+          <a:lstStyle/>
+          <a:p>
+            <a:r>
+              <a:rPr lang="en-US" sz="2800" dirty="0" smtClean="0">
+                <a:latin typeface="+mj-lt"/>
+              </a:rPr>
+              <a:t>For </a:t>
+            </a:r>
+            <a:r>
+              <a:rPr lang="en-US" sz="2800" b="1" dirty="0" smtClean="0">
+                <a:solidFill>
+                  <a:srgbClr val="0070C0"/>
+                </a:solidFill>
+                <a:latin typeface="+mj-lt"/>
+              </a:rPr>
+              <a:t>z = x + 42</a:t>
+            </a:r>
+            <a:r>
+              <a:rPr lang="en-US" sz="2800" dirty="0" smtClean="0">
+                <a:latin typeface="+mj-lt"/>
+              </a:rPr>
+              <a:t> the generated code is:</a:t>
+            </a:r>
+          </a:p>
+        </p:txBody>
+      </p:sp>
+      <p:sp>
+        <p:nvSpPr>
+          <p:cNvPr id="16" name="TextBox 15"/>
+          <p:cNvSpPr txBox="1"/>
+          <p:nvPr/>
+        </p:nvSpPr>
+        <p:spPr>
+          <a:xfrm>
+            <a:off x="4240441" y="2638894"/>
+            <a:ext cx="4728755" cy="1569660"/>
+          </a:xfrm>
+          <a:prstGeom prst="rect">
+            <a:avLst/>
+          </a:prstGeom>
+          <a:noFill/>
+        </p:spPr>
+        <p:txBody>
+          <a:bodyPr wrap="square" rtlCol="0">
+            <a:spAutoFit/>
+          </a:bodyPr>
+          <a:lstStyle/>
+          <a:p>
+            <a:r>
+              <a:rPr lang="en-US" sz="2400" b="1" dirty="0" smtClean="0">
+                <a:latin typeface="Courier New" panose="02070309020205020404" pitchFamily="49" charset="0"/>
+                <a:cs typeface="Courier New" panose="02070309020205020404" pitchFamily="49" charset="0"/>
+              </a:rPr>
+              <a:t>t1 = x</a:t>
+            </a:r>
+          </a:p>
+          <a:p>
+            <a:r>
+              <a:rPr lang="en-US" sz="2400" b="1" dirty="0">
+                <a:latin typeface="Courier New" panose="02070309020205020404" pitchFamily="49" charset="0"/>
+                <a:cs typeface="Courier New" panose="02070309020205020404" pitchFamily="49" charset="0"/>
+              </a:rPr>
+              <a:t>t</a:t>
+            </a:r>
+            <a:r>
+              <a:rPr lang="en-US" sz="2400" b="1" dirty="0" smtClean="0">
+                <a:latin typeface="Courier New" panose="02070309020205020404" pitchFamily="49" charset="0"/>
+                <a:cs typeface="Courier New" panose="02070309020205020404" pitchFamily="49" charset="0"/>
+              </a:rPr>
+              <a:t>2 = 42</a:t>
+            </a:r>
+            <a:endParaRPr lang="en-US" sz="2400" b="1" dirty="0">
+              <a:latin typeface="Courier New" panose="02070309020205020404" pitchFamily="49" charset="0"/>
+              <a:cs typeface="Courier New" panose="02070309020205020404" pitchFamily="49" charset="0"/>
+            </a:endParaRPr>
+          </a:p>
+          <a:p>
+            <a:r>
+              <a:rPr lang="en-US" sz="2400" b="1" dirty="0" smtClean="0">
+                <a:latin typeface="Courier New" panose="02070309020205020404" pitchFamily="49" charset="0"/>
+                <a:cs typeface="Courier New" panose="02070309020205020404" pitchFamily="49" charset="0"/>
+              </a:rPr>
+              <a:t>t3 = add t1, t2z</a:t>
+            </a:r>
+          </a:p>
+          <a:p>
+            <a:r>
+              <a:rPr lang="en-US" sz="2400" b="1" dirty="0">
+                <a:latin typeface="Courier New" panose="02070309020205020404" pitchFamily="49" charset="0"/>
+                <a:cs typeface="Courier New" panose="02070309020205020404" pitchFamily="49" charset="0"/>
+              </a:rPr>
+              <a:t>z</a:t>
+            </a:r>
+            <a:r>
+              <a:rPr lang="en-US" sz="2400" b="1" dirty="0" smtClean="0">
+                <a:latin typeface="Courier New" panose="02070309020205020404" pitchFamily="49" charset="0"/>
+                <a:cs typeface="Courier New" panose="02070309020205020404" pitchFamily="49" charset="0"/>
+              </a:rPr>
+              <a:t> = t3</a:t>
+            </a:r>
+            <a:endParaRPr lang="en-US" sz="2400" b="1" dirty="0">
+              <a:latin typeface="Courier New" panose="02070309020205020404" pitchFamily="49" charset="0"/>
+              <a:cs typeface="Courier New" panose="02070309020205020404" pitchFamily="49" charset="0"/>
+            </a:endParaRPr>
+          </a:p>
+        </p:txBody>
+      </p:sp>
+    </p:spTree>
+    <p:extLst>
+      <p:ext uri="{BB962C8B-B14F-4D97-AF65-F5344CB8AC3E}">
+        <p14:creationId xmlns:p14="http://schemas.microsoft.com/office/powerpoint/2010/main" val="3421343728"/>
+      </p:ext>
+    </p:extLst>
+  </p:cSld>
+  <p:clrMapOvr>
+    <a:masterClrMapping/>
+  </p:clrMapOvr>
+  <p:timing>
+    <p:tnLst>
+      <p:par>
+        <p:cTn id="1" dur="indefinite" restart="never" nodeType="tmRoot"/>
+      </p:par>
+    </p:tnLst>
+  </p:timing>
+</p:sld>
+</file>
+
+<file path=ppt/slides/slide27.xml><?xml version="1.0" encoding="utf-8"?>
+<p:sld xmlns:a="http://schemas.openxmlformats.org/drawingml/2006/main" xmlns:r="http://schemas.openxmlformats.org/officeDocument/2006/relationships" xmlns:p="http://schemas.openxmlformats.org/presentationml/2006/main">
+  <p:cSld>
+    <p:spTree>
+      <p:nvGrpSpPr>
+        <p:cNvPr id="1" name=""/>
+        <p:cNvGrpSpPr/>
+        <p:nvPr/>
+      </p:nvGrpSpPr>
+      <p:grpSpPr>
+        <a:xfrm>
+          <a:off x="0" y="0"/>
+          <a:ext cx="0" cy="0"/>
+          <a:chOff x="0" y="0"/>
+          <a:chExt cx="0" cy="0"/>
+        </a:xfrm>
+      </p:grpSpPr>
+      <p:sp>
+        <p:nvSpPr>
+          <p:cNvPr id="4" name="TextBox 3"/>
+          <p:cNvSpPr txBox="1"/>
+          <p:nvPr/>
+        </p:nvSpPr>
+        <p:spPr>
+          <a:xfrm>
+            <a:off x="1011115" y="668215"/>
+            <a:ext cx="10137964" cy="830997"/>
+          </a:xfrm>
+          <a:prstGeom prst="rect">
+            <a:avLst/>
+          </a:prstGeom>
+          <a:noFill/>
+        </p:spPr>
+        <p:txBody>
+          <a:bodyPr wrap="square" rtlCol="0">
+            <a:spAutoFit/>
+          </a:bodyPr>
+          <a:lstStyle/>
+          <a:p>
+            <a:r>
+              <a:rPr lang="en-US" sz="4800" dirty="0" smtClean="0">
+                <a:latin typeface="+mj-lt"/>
+              </a:rPr>
+              <a:t>Alternative Representation</a:t>
+            </a:r>
+            <a:endParaRPr lang="en-US" sz="4800" dirty="0">
+              <a:latin typeface="+mj-lt"/>
+            </a:endParaRPr>
+          </a:p>
+        </p:txBody>
+      </p:sp>
+      <p:sp>
+        <p:nvSpPr>
+          <p:cNvPr id="5" name="TextBox 4"/>
+          <p:cNvSpPr txBox="1"/>
+          <p:nvPr/>
+        </p:nvSpPr>
+        <p:spPr>
+          <a:xfrm>
+            <a:off x="1011115" y="1529866"/>
+            <a:ext cx="10649662" cy="954107"/>
+          </a:xfrm>
+          <a:prstGeom prst="rect">
+            <a:avLst/>
+          </a:prstGeom>
+          <a:noFill/>
+        </p:spPr>
+        <p:txBody>
+          <a:bodyPr wrap="square" rtlCol="0">
+            <a:spAutoFit/>
+          </a:bodyPr>
+          <a:lstStyle/>
+          <a:p>
+            <a:r>
+              <a:rPr lang="en-US" sz="2800" dirty="0" smtClean="0">
+                <a:latin typeface="+mj-lt"/>
+              </a:rPr>
+              <a:t>We can take a more low level approach:</a:t>
+            </a:r>
+          </a:p>
+          <a:p>
+            <a:r>
+              <a:rPr lang="en-US" sz="2800" dirty="0" smtClean="0">
+                <a:latin typeface="+mj-lt"/>
+              </a:rPr>
+              <a:t>(assuming that x is first parameter and z first local variable)</a:t>
+            </a:r>
+          </a:p>
+        </p:txBody>
+      </p:sp>
+      <p:sp>
+        <p:nvSpPr>
+          <p:cNvPr id="16" name="TextBox 15"/>
+          <p:cNvSpPr txBox="1"/>
+          <p:nvPr/>
+        </p:nvSpPr>
+        <p:spPr>
+          <a:xfrm>
+            <a:off x="4240441" y="2638894"/>
+            <a:ext cx="4728755" cy="1569660"/>
+          </a:xfrm>
+          <a:prstGeom prst="rect">
+            <a:avLst/>
+          </a:prstGeom>
+          <a:noFill/>
+        </p:spPr>
+        <p:txBody>
+          <a:bodyPr wrap="square" rtlCol="0">
+            <a:spAutoFit/>
+          </a:bodyPr>
+          <a:lstStyle/>
+          <a:p>
+            <a:r>
+              <a:rPr lang="en-US" sz="2400" b="1" dirty="0" smtClean="0">
+                <a:latin typeface="Courier New" panose="02070309020205020404" pitchFamily="49" charset="0"/>
+                <a:cs typeface="Courier New" panose="02070309020205020404" pitchFamily="49" charset="0"/>
+              </a:rPr>
+              <a:t>t1 = load (</a:t>
+            </a:r>
+            <a:r>
+              <a:rPr lang="en-US" sz="2400" b="1" dirty="0" err="1" smtClean="0">
+                <a:latin typeface="Courier New" panose="02070309020205020404" pitchFamily="49" charset="0"/>
+                <a:cs typeface="Courier New" panose="02070309020205020404" pitchFamily="49" charset="0"/>
+              </a:rPr>
+              <a:t>bp</a:t>
+            </a:r>
+            <a:r>
+              <a:rPr lang="en-US" sz="2400" b="1" dirty="0" smtClean="0">
+                <a:latin typeface="Courier New" panose="02070309020205020404" pitchFamily="49" charset="0"/>
+                <a:cs typeface="Courier New" panose="02070309020205020404" pitchFamily="49" charset="0"/>
+              </a:rPr>
+              <a:t> + 8)</a:t>
+            </a:r>
+          </a:p>
+          <a:p>
+            <a:r>
+              <a:rPr lang="en-US" sz="2400" b="1" dirty="0">
+                <a:latin typeface="Courier New" panose="02070309020205020404" pitchFamily="49" charset="0"/>
+                <a:cs typeface="Courier New" panose="02070309020205020404" pitchFamily="49" charset="0"/>
+              </a:rPr>
+              <a:t>t</a:t>
+            </a:r>
+            <a:r>
+              <a:rPr lang="en-US" sz="2400" b="1" dirty="0" smtClean="0">
+                <a:latin typeface="Courier New" panose="02070309020205020404" pitchFamily="49" charset="0"/>
+                <a:cs typeface="Courier New" panose="02070309020205020404" pitchFamily="49" charset="0"/>
+              </a:rPr>
+              <a:t>2 = 42</a:t>
+            </a:r>
+            <a:endParaRPr lang="en-US" sz="2400" b="1" dirty="0">
+              <a:latin typeface="Courier New" panose="02070309020205020404" pitchFamily="49" charset="0"/>
+              <a:cs typeface="Courier New" panose="02070309020205020404" pitchFamily="49" charset="0"/>
+            </a:endParaRPr>
+          </a:p>
+          <a:p>
+            <a:r>
+              <a:rPr lang="en-US" sz="2400" b="1" dirty="0" smtClean="0">
+                <a:latin typeface="Courier New" panose="02070309020205020404" pitchFamily="49" charset="0"/>
+                <a:cs typeface="Courier New" panose="02070309020205020404" pitchFamily="49" charset="0"/>
+              </a:rPr>
+              <a:t>t3 = add t1, t2</a:t>
+            </a:r>
+          </a:p>
+          <a:p>
+            <a:r>
+              <a:rPr lang="en-US" sz="2400" b="1" dirty="0">
+                <a:latin typeface="Courier New" panose="02070309020205020404" pitchFamily="49" charset="0"/>
+                <a:cs typeface="Courier New" panose="02070309020205020404" pitchFamily="49" charset="0"/>
+              </a:rPr>
+              <a:t>s</a:t>
+            </a:r>
+            <a:r>
+              <a:rPr lang="en-US" sz="2400" b="1" dirty="0" smtClean="0">
+                <a:latin typeface="Courier New" panose="02070309020205020404" pitchFamily="49" charset="0"/>
+                <a:cs typeface="Courier New" panose="02070309020205020404" pitchFamily="49" charset="0"/>
+              </a:rPr>
+              <a:t>tore (</a:t>
+            </a:r>
+            <a:r>
+              <a:rPr lang="en-US" sz="2400" b="1" dirty="0" err="1" smtClean="0">
+                <a:latin typeface="Courier New" panose="02070309020205020404" pitchFamily="49" charset="0"/>
+                <a:cs typeface="Courier New" panose="02070309020205020404" pitchFamily="49" charset="0"/>
+              </a:rPr>
+              <a:t>bp</a:t>
+            </a:r>
+            <a:r>
+              <a:rPr lang="en-US" sz="2400" b="1" dirty="0" smtClean="0">
+                <a:latin typeface="Courier New" panose="02070309020205020404" pitchFamily="49" charset="0"/>
+                <a:cs typeface="Courier New" panose="02070309020205020404" pitchFamily="49" charset="0"/>
+              </a:rPr>
+              <a:t> – 4), t3</a:t>
+            </a:r>
+            <a:endParaRPr lang="en-US" sz="2400" b="1" dirty="0">
+              <a:latin typeface="Courier New" panose="02070309020205020404" pitchFamily="49" charset="0"/>
+              <a:cs typeface="Courier New" panose="02070309020205020404" pitchFamily="49" charset="0"/>
+            </a:endParaRPr>
+          </a:p>
+        </p:txBody>
+      </p:sp>
+    </p:spTree>
+    <p:extLst>
+      <p:ext uri="{BB962C8B-B14F-4D97-AF65-F5344CB8AC3E}">
+        <p14:creationId xmlns:p14="http://schemas.microsoft.com/office/powerpoint/2010/main" val="1512947453"/>
       </p:ext>
     </p:extLst>
   </p:cSld>
@@ -17949,7 +19640,7 @@
             <p:spPr>
               <a:xfrm>
                 <a:off x="1011115" y="1529866"/>
-                <a:ext cx="10649662" cy="3539430"/>
+                <a:ext cx="10649662" cy="3970318"/>
               </a:xfrm>
               <a:prstGeom prst="rect">
                 <a:avLst/>
@@ -17961,6 +19652,18 @@
                 <a:spAutoFit/>
               </a:bodyPr>
               <a:lstStyle/>
+              <a:p>
+                <a:pPr marL="285750" indent="-285750">
+                  <a:buFont typeface="Arial" panose="020B0604020202020204" pitchFamily="34" charset="0"/>
+                  <a:buChar char="•"/>
+                </a:pPr>
+                <a:r>
+                  <a:rPr lang="en-US" sz="2800" dirty="0" smtClean="0">
+                    <a:latin typeface="+mj-lt"/>
+                  </a:rPr>
+                  <a:t>TODO</a:t>
+                </a:r>
+              </a:p>
               <a:p>
                 <a:pPr marL="285750" indent="-285750">
                   <a:buFont typeface="Arial" panose="020B0604020202020204" pitchFamily="34" charset="0"/>
@@ -18932,7 +20635,7 @@
             <p:spPr>
               <a:xfrm>
                 <a:off x="1011115" y="1529866"/>
-                <a:ext cx="10649662" cy="3539430"/>
+                <a:ext cx="10649662" cy="3970318"/>
               </a:xfrm>
               <a:prstGeom prst="rect">
                 <a:avLst/>
@@ -18940,7 +20643,7 @@
               <a:blipFill>
                 <a:blip r:embed="rId3"/>
                 <a:stretch>
-                  <a:fillRect l="-1030" t="-1721"/>
+                  <a:fillRect l="-1030" t="-1536"/>
                 </a:stretch>
               </a:blipFill>
             </p:spPr>

--- a/new_slides/IR.pptx
+++ b/new_slides/IR.pptx
@@ -49,9 +49,9 @@
     <p:sldId id="626" r:id="rId40"/>
     <p:sldId id="628" r:id="rId41"/>
     <p:sldId id="627" r:id="rId42"/>
-    <p:sldId id="606" r:id="rId43"/>
-    <p:sldId id="607" r:id="rId44"/>
-    <p:sldId id="608" r:id="rId45"/>
+    <p:sldId id="608" r:id="rId43"/>
+    <p:sldId id="606" r:id="rId44"/>
+    <p:sldId id="607" r:id="rId45"/>
   </p:sldIdLst>
   <p:sldSz cx="12192000" cy="6858000"/>
   <p:notesSz cx="6858000" cy="9144000"/>
@@ -3270,7 +3270,7 @@
     </p:spTree>
     <p:extLst>
       <p:ext uri="{BB962C8B-B14F-4D97-AF65-F5344CB8AC3E}">
-        <p14:creationId xmlns:p14="http://schemas.microsoft.com/office/powerpoint/2010/main" val="1225050118"/>
+        <p14:creationId xmlns:p14="http://schemas.microsoft.com/office/powerpoint/2010/main" val="3093238998"/>
       </p:ext>
     </p:extLst>
   </p:cSld>
@@ -3438,7 +3438,7 @@
     </p:spTree>
     <p:extLst>
       <p:ext uri="{BB962C8B-B14F-4D97-AF65-F5344CB8AC3E}">
-        <p14:creationId xmlns:p14="http://schemas.microsoft.com/office/powerpoint/2010/main" val="3475014987"/>
+        <p14:creationId xmlns:p14="http://schemas.microsoft.com/office/powerpoint/2010/main" val="1225050118"/>
       </p:ext>
     </p:extLst>
   </p:cSld>
@@ -3522,7 +3522,7 @@
     </p:spTree>
     <p:extLst>
       <p:ext uri="{BB962C8B-B14F-4D97-AF65-F5344CB8AC3E}">
-        <p14:creationId xmlns:p14="http://schemas.microsoft.com/office/powerpoint/2010/main" val="3093238998"/>
+        <p14:creationId xmlns:p14="http://schemas.microsoft.com/office/powerpoint/2010/main" val="3475014987"/>
       </p:ext>
     </p:extLst>
   </p:cSld>
@@ -15236,7 +15236,7 @@
                 <a:latin typeface="Courier New" panose="02070309020205020404" pitchFamily="49" charset="0"/>
                 <a:cs typeface="Courier New" panose="02070309020205020404" pitchFamily="49" charset="0"/>
               </a:rPr>
-              <a:t>3 = 0</a:t>
+              <a:t>3 = 1</a:t>
             </a:r>
           </a:p>
           <a:p>
@@ -15302,7 +15302,7 @@
                 <a:latin typeface="Courier New" panose="02070309020205020404" pitchFamily="49" charset="0"/>
                 <a:cs typeface="Courier New" panose="02070309020205020404" pitchFamily="49" charset="0"/>
               </a:rPr>
-              <a:t>3 = 1</a:t>
+              <a:t>3 = 0</a:t>
             </a:r>
           </a:p>
           <a:p>
@@ -16038,7 +16038,7 @@
                 <a:latin typeface="Courier New" panose="02070309020205020404" pitchFamily="49" charset="0"/>
                 <a:cs typeface="Courier New" panose="02070309020205020404" pitchFamily="49" charset="0"/>
               </a:rPr>
-              <a:t>5 = 1</a:t>
+              <a:t>5 = 0</a:t>
             </a:r>
           </a:p>
           <a:p>
@@ -20558,7 +20558,7 @@
                 <a:latin typeface="Courier New" panose="02070309020205020404" pitchFamily="49" charset="0"/>
                 <a:cs typeface="Courier New" panose="02070309020205020404" pitchFamily="49" charset="0"/>
               </a:rPr>
-              <a:t>end_label</a:t>
+              <a:t>false_label</a:t>
             </a:r>
             <a:endParaRPr lang="en-US" sz="2400" b="1" dirty="0" smtClean="0">
               <a:solidFill>
@@ -29960,7 +29960,7 @@
               <a:rPr lang="en-US" sz="4800" dirty="0" smtClean="0">
                 <a:latin typeface="+mj-lt"/>
               </a:rPr>
-              <a:t>Alternative Representation</a:t>
+              <a:t>Implementation</a:t>
             </a:r>
             <a:endParaRPr lang="en-US" sz="4800" dirty="0">
               <a:latin typeface="+mj-lt"/>
@@ -29977,7 +29977,7 @@
         <p:spPr>
           <a:xfrm>
             <a:off x="1011115" y="1529866"/>
-            <a:ext cx="10649662" cy="523220"/>
+            <a:ext cx="10649662" cy="2677656"/>
           </a:xfrm>
           <a:prstGeom prst="rect">
             <a:avLst/>
@@ -29990,118 +29990,81 @@
           </a:bodyPr>
           <a:lstStyle/>
           <a:p>
+            <a:pPr marL="285750" indent="-285750">
+              <a:buFont typeface="Arial" panose="020B0604020202020204" pitchFamily="34" charset="0"/>
+              <a:buChar char="•"/>
+            </a:pPr>
             <a:r>
               <a:rPr lang="en-US" sz="2800" dirty="0" smtClean="0">
                 <a:latin typeface="+mj-lt"/>
               </a:rPr>
-              <a:t>For </a:t>
-            </a:r>
-            <a:r>
-              <a:rPr lang="en-US" sz="2800" b="1" dirty="0" smtClean="0">
-                <a:solidFill>
-                  <a:srgbClr val="0070C0"/>
-                </a:solidFill>
-                <a:latin typeface="+mj-lt"/>
-              </a:rPr>
-              <a:t>z = x + 42</a:t>
-            </a:r>
+              <a:t>Classes for IR Instructions</a:t>
+            </a:r>
+            <a:endParaRPr lang="en-US" sz="2800" dirty="0">
+              <a:latin typeface="+mj-lt"/>
+            </a:endParaRPr>
+          </a:p>
+          <a:p>
+            <a:pPr marL="285750" indent="-285750">
+              <a:buFont typeface="Arial" panose="020B0604020202020204" pitchFamily="34" charset="0"/>
+              <a:buChar char="•"/>
+            </a:pPr>
             <a:r>
               <a:rPr lang="en-US" sz="2800" dirty="0" smtClean="0">
                 <a:latin typeface="+mj-lt"/>
               </a:rPr>
-              <a:t> the generated code is:</a:t>
-            </a:r>
-          </a:p>
-        </p:txBody>
-      </p:sp>
-      <p:sp>
-        <p:nvSpPr>
-          <p:cNvPr id="16" name="TextBox 15"/>
-          <p:cNvSpPr txBox="1"/>
-          <p:nvPr/>
-        </p:nvSpPr>
-        <p:spPr>
-          <a:xfrm>
-            <a:off x="4240441" y="2638894"/>
-            <a:ext cx="4728755" cy="1569660"/>
-          </a:xfrm>
-          <a:prstGeom prst="rect">
-            <a:avLst/>
-          </a:prstGeom>
-          <a:noFill/>
-        </p:spPr>
-        <p:txBody>
-          <a:bodyPr wrap="square" rtlCol="0">
-            <a:spAutoFit/>
-          </a:bodyPr>
-          <a:lstStyle/>
-          <a:p>
-            <a:r>
-              <a:rPr lang="en-US" sz="2400" b="1" dirty="0" smtClean="0">
-                <a:latin typeface="Courier New" panose="02070309020205020404" pitchFamily="49" charset="0"/>
-                <a:cs typeface="Courier New" panose="02070309020205020404" pitchFamily="49" charset="0"/>
-              </a:rPr>
-              <a:t>t1 = x</a:t>
-            </a:r>
-          </a:p>
-          <a:p>
-            <a:r>
-              <a:rPr lang="en-US" sz="2400" b="1" dirty="0">
-                <a:latin typeface="Courier New" panose="02070309020205020404" pitchFamily="49" charset="0"/>
-                <a:cs typeface="Courier New" panose="02070309020205020404" pitchFamily="49" charset="0"/>
-              </a:rPr>
-              <a:t>t</a:t>
-            </a:r>
-            <a:r>
-              <a:rPr lang="en-US" sz="2400" b="1" dirty="0" smtClean="0">
-                <a:latin typeface="Courier New" panose="02070309020205020404" pitchFamily="49" charset="0"/>
-                <a:cs typeface="Courier New" panose="02070309020205020404" pitchFamily="49" charset="0"/>
-              </a:rPr>
-              <a:t>2 = 42</a:t>
-            </a:r>
-            <a:endParaRPr lang="en-US" sz="2400" b="1" dirty="0">
-              <a:latin typeface="Courier New" panose="02070309020205020404" pitchFamily="49" charset="0"/>
-              <a:cs typeface="Courier New" panose="02070309020205020404" pitchFamily="49" charset="0"/>
-            </a:endParaRPr>
-          </a:p>
-          <a:p>
-            <a:r>
-              <a:rPr lang="en-US" sz="2400" b="1" dirty="0" smtClean="0">
-                <a:latin typeface="Courier New" panose="02070309020205020404" pitchFamily="49" charset="0"/>
-                <a:cs typeface="Courier New" panose="02070309020205020404" pitchFamily="49" charset="0"/>
-              </a:rPr>
-              <a:t>t3 = add t1, </a:t>
-            </a:r>
-            <a:r>
-              <a:rPr lang="en-US" sz="2400" b="1" dirty="0" smtClean="0">
-                <a:latin typeface="Courier New" panose="02070309020205020404" pitchFamily="49" charset="0"/>
-                <a:cs typeface="Courier New" panose="02070309020205020404" pitchFamily="49" charset="0"/>
-              </a:rPr>
-              <a:t>t2</a:t>
-            </a:r>
-            <a:endParaRPr lang="en-US" sz="2400" b="1" dirty="0" smtClean="0">
-              <a:latin typeface="Courier New" panose="02070309020205020404" pitchFamily="49" charset="0"/>
-              <a:cs typeface="Courier New" panose="02070309020205020404" pitchFamily="49" charset="0"/>
-            </a:endParaRPr>
-          </a:p>
-          <a:p>
-            <a:r>
-              <a:rPr lang="en-US" sz="2400" b="1" dirty="0">
-                <a:latin typeface="Courier New" panose="02070309020205020404" pitchFamily="49" charset="0"/>
-                <a:cs typeface="Courier New" panose="02070309020205020404" pitchFamily="49" charset="0"/>
-              </a:rPr>
-              <a:t>z</a:t>
-            </a:r>
-            <a:r>
-              <a:rPr lang="en-US" sz="2400" b="1" dirty="0" smtClean="0">
-                <a:latin typeface="Courier New" panose="02070309020205020404" pitchFamily="49" charset="0"/>
-                <a:cs typeface="Courier New" panose="02070309020205020404" pitchFamily="49" charset="0"/>
-              </a:rPr>
-              <a:t> = t3</a:t>
-            </a:r>
-            <a:endParaRPr lang="en-US" sz="2400" b="1" dirty="0">
-              <a:latin typeface="Courier New" panose="02070309020205020404" pitchFamily="49" charset="0"/>
-              <a:cs typeface="Courier New" panose="02070309020205020404" pitchFamily="49" charset="0"/>
+              <a:t>AST Visitor</a:t>
+            </a:r>
+          </a:p>
+          <a:p>
+            <a:pPr marL="742950" lvl="1" indent="-285750">
+              <a:buFont typeface="Arial" panose="020B0604020202020204" pitchFamily="34" charset="0"/>
+              <a:buChar char="•"/>
+            </a:pPr>
+            <a:r>
+              <a:rPr lang="en-US" sz="2800" dirty="0" smtClean="0">
+                <a:latin typeface="+mj-lt"/>
+              </a:rPr>
+              <a:t>Define visitor for each node type</a:t>
+            </a:r>
+          </a:p>
+          <a:p>
+            <a:pPr marL="742950" lvl="1" indent="-285750">
+              <a:buFont typeface="Arial" panose="020B0604020202020204" pitchFamily="34" charset="0"/>
+              <a:buChar char="•"/>
+            </a:pPr>
+            <a:r>
+              <a:rPr lang="en-US" sz="2800" dirty="0" smtClean="0">
+                <a:latin typeface="+mj-lt"/>
+              </a:rPr>
+              <a:t>Should return</a:t>
+            </a:r>
+          </a:p>
+          <a:p>
+            <a:pPr marL="1200150" lvl="2" indent="-285750">
+              <a:buFont typeface="Arial" panose="020B0604020202020204" pitchFamily="34" charset="0"/>
+              <a:buChar char="•"/>
+            </a:pPr>
+            <a:r>
+              <a:rPr lang="en-US" sz="2800" dirty="0" smtClean="0">
+                <a:latin typeface="+mj-lt"/>
+              </a:rPr>
+              <a:t>List of generated instructions</a:t>
+            </a:r>
+          </a:p>
+          <a:p>
+            <a:pPr marL="1200150" lvl="2" indent="-285750">
+              <a:buFont typeface="Arial" panose="020B0604020202020204" pitchFamily="34" charset="0"/>
+              <a:buChar char="•"/>
+            </a:pPr>
+            <a:r>
+              <a:rPr lang="en-US" sz="2800" dirty="0" smtClean="0">
+                <a:latin typeface="+mj-lt"/>
+              </a:rPr>
+              <a:t>Result register (for expressions)</a:t>
+            </a:r>
+            <a:endParaRPr lang="en-US" sz="2800" dirty="0">
+              <a:latin typeface="+mj-lt"/>
             </a:endParaRPr>
           </a:p>
         </p:txBody>
@@ -30109,7 +30072,7 @@
     </p:spTree>
     <p:extLst>
       <p:ext uri="{BB962C8B-B14F-4D97-AF65-F5344CB8AC3E}">
-        <p14:creationId xmlns:p14="http://schemas.microsoft.com/office/powerpoint/2010/main" val="3421343728"/>
+        <p14:creationId xmlns:p14="http://schemas.microsoft.com/office/powerpoint/2010/main" val="2448748297"/>
       </p:ext>
     </p:extLst>
   </p:cSld>
@@ -30186,7 +30149,7 @@
         <p:spPr>
           <a:xfrm>
             <a:off x="1011115" y="1529866"/>
-            <a:ext cx="10649662" cy="954107"/>
+            <a:ext cx="10649662" cy="523220"/>
           </a:xfrm>
           <a:prstGeom prst="rect">
             <a:avLst/>
@@ -30203,15 +30166,22 @@
               <a:rPr lang="en-US" sz="2800" dirty="0" smtClean="0">
                 <a:latin typeface="+mj-lt"/>
               </a:rPr>
-              <a:t>We can take a more low level approach:</a:t>
-            </a:r>
-          </a:p>
-          <a:p>
+              <a:t>For </a:t>
+            </a:r>
+            <a:r>
+              <a:rPr lang="en-US" sz="2800" b="1" dirty="0" smtClean="0">
+                <a:solidFill>
+                  <a:srgbClr val="0070C0"/>
+                </a:solidFill>
+                <a:latin typeface="+mj-lt"/>
+              </a:rPr>
+              <a:t>z = x + 42</a:t>
+            </a:r>
             <a:r>
               <a:rPr lang="en-US" sz="2800" dirty="0" smtClean="0">
                 <a:latin typeface="+mj-lt"/>
               </a:rPr>
-              <a:t>(assuming that x is first parameter and z first local variable)</a:t>
+              <a:t> the generated code is:</a:t>
             </a:r>
           </a:p>
         </p:txBody>
@@ -30243,42 +30213,7 @@
                 <a:latin typeface="Courier New" panose="02070309020205020404" pitchFamily="49" charset="0"/>
                 <a:cs typeface="Courier New" panose="02070309020205020404" pitchFamily="49" charset="0"/>
               </a:rPr>
-              <a:t>t1 = load </a:t>
-            </a:r>
-            <a:r>
-              <a:rPr lang="en-US" sz="2400" b="1" dirty="0" smtClean="0">
-                <a:latin typeface="Courier New" panose="02070309020205020404" pitchFamily="49" charset="0"/>
-                <a:cs typeface="Courier New" panose="02070309020205020404" pitchFamily="49" charset="0"/>
-              </a:rPr>
-              <a:t>(</a:t>
-            </a:r>
-            <a:r>
-              <a:rPr lang="en-US" sz="2400" b="1" dirty="0" err="1">
-                <a:latin typeface="Courier New" panose="02070309020205020404" pitchFamily="49" charset="0"/>
-                <a:cs typeface="Courier New" panose="02070309020205020404" pitchFamily="49" charset="0"/>
-              </a:rPr>
-              <a:t>f</a:t>
-            </a:r>
-            <a:r>
-              <a:rPr lang="en-US" sz="2400" b="1" dirty="0" err="1" smtClean="0">
-                <a:latin typeface="Courier New" panose="02070309020205020404" pitchFamily="49" charset="0"/>
-                <a:cs typeface="Courier New" panose="02070309020205020404" pitchFamily="49" charset="0"/>
-              </a:rPr>
-              <a:t>p</a:t>
-            </a:r>
-            <a:r>
-              <a:rPr lang="en-US" sz="2400" b="1" dirty="0" smtClean="0">
-                <a:latin typeface="Courier New" panose="02070309020205020404" pitchFamily="49" charset="0"/>
-                <a:cs typeface="Courier New" panose="02070309020205020404" pitchFamily="49" charset="0"/>
-              </a:rPr>
-              <a:t> </a:t>
-            </a:r>
-            <a:r>
-              <a:rPr lang="en-US" sz="2400" b="1" dirty="0" smtClean="0">
-                <a:latin typeface="Courier New" panose="02070309020205020404" pitchFamily="49" charset="0"/>
-                <a:cs typeface="Courier New" panose="02070309020205020404" pitchFamily="49" charset="0"/>
-              </a:rPr>
-              <a:t>+ 8)</a:t>
+              <a:t>t1 = x</a:t>
             </a:r>
           </a:p>
           <a:p>
@@ -30307,8 +30242,19 @@
                 <a:latin typeface="Courier New" panose="02070309020205020404" pitchFamily="49" charset="0"/>
                 <a:cs typeface="Courier New" panose="02070309020205020404" pitchFamily="49" charset="0"/>
               </a:rPr>
-              <a:t>t3 = add t1, t2</a:t>
-            </a:r>
+              <a:t>t3 = add t1, </a:t>
+            </a:r>
+            <a:r>
+              <a:rPr lang="en-US" sz="2400" b="1" dirty="0" smtClean="0">
+                <a:latin typeface="Courier New" panose="02070309020205020404" pitchFamily="49" charset="0"/>
+                <a:cs typeface="Courier New" panose="02070309020205020404" pitchFamily="49" charset="0"/>
+              </a:rPr>
+              <a:t>t2</a:t>
+            </a:r>
+            <a:endParaRPr lang="en-US" sz="2400" b="1" dirty="0" smtClean="0">
+              <a:latin typeface="Courier New" panose="02070309020205020404" pitchFamily="49" charset="0"/>
+              <a:cs typeface="Courier New" panose="02070309020205020404" pitchFamily="49" charset="0"/>
+            </a:endParaRPr>
           </a:p>
           <a:p>
             <a:r>
@@ -30316,49 +30262,14 @@
                 <a:latin typeface="Courier New" panose="02070309020205020404" pitchFamily="49" charset="0"/>
                 <a:cs typeface="Courier New" panose="02070309020205020404" pitchFamily="49" charset="0"/>
               </a:rPr>
-              <a:t>s</a:t>
+              <a:t>z</a:t>
             </a:r>
             <a:r>
               <a:rPr lang="en-US" sz="2400" b="1" dirty="0" smtClean="0">
                 <a:latin typeface="Courier New" panose="02070309020205020404" pitchFamily="49" charset="0"/>
                 <a:cs typeface="Courier New" panose="02070309020205020404" pitchFamily="49" charset="0"/>
               </a:rPr>
-              <a:t>tore </a:t>
-            </a:r>
-            <a:r>
-              <a:rPr lang="en-US" sz="2400" b="1" dirty="0" smtClean="0">
-                <a:latin typeface="Courier New" panose="02070309020205020404" pitchFamily="49" charset="0"/>
-                <a:cs typeface="Courier New" panose="02070309020205020404" pitchFamily="49" charset="0"/>
-              </a:rPr>
-              <a:t>(</a:t>
-            </a:r>
-            <a:r>
-              <a:rPr lang="en-US" sz="2400" b="1" dirty="0" err="1">
-                <a:latin typeface="Courier New" panose="02070309020205020404" pitchFamily="49" charset="0"/>
-                <a:cs typeface="Courier New" panose="02070309020205020404" pitchFamily="49" charset="0"/>
-              </a:rPr>
-              <a:t>f</a:t>
-            </a:r>
-            <a:r>
-              <a:rPr lang="en-US" sz="2400" b="1" dirty="0" err="1" smtClean="0">
-                <a:latin typeface="Courier New" panose="02070309020205020404" pitchFamily="49" charset="0"/>
-                <a:cs typeface="Courier New" panose="02070309020205020404" pitchFamily="49" charset="0"/>
-              </a:rPr>
-              <a:t>p</a:t>
-            </a:r>
-            <a:r>
-              <a:rPr lang="en-US" sz="2400" b="1" dirty="0" smtClean="0">
-                <a:latin typeface="Courier New" panose="02070309020205020404" pitchFamily="49" charset="0"/>
-                <a:cs typeface="Courier New" panose="02070309020205020404" pitchFamily="49" charset="0"/>
-              </a:rPr>
-              <a:t> </a:t>
-            </a:r>
-            <a:r>
-              <a:rPr lang="en-US" sz="2400" b="1" dirty="0" smtClean="0">
-                <a:latin typeface="Courier New" panose="02070309020205020404" pitchFamily="49" charset="0"/>
-                <a:cs typeface="Courier New" panose="02070309020205020404" pitchFamily="49" charset="0"/>
-              </a:rPr>
-              <a:t>– 4), t3</a:t>
+              <a:t> = t3</a:t>
             </a:r>
             <a:endParaRPr lang="en-US" sz="2400" b="1" dirty="0">
               <a:latin typeface="Courier New" panose="02070309020205020404" pitchFamily="49" charset="0"/>
@@ -30370,7 +30281,7 @@
     </p:spTree>
     <p:extLst>
       <p:ext uri="{BB962C8B-B14F-4D97-AF65-F5344CB8AC3E}">
-        <p14:creationId xmlns:p14="http://schemas.microsoft.com/office/powerpoint/2010/main" val="1512947453"/>
+        <p14:creationId xmlns:p14="http://schemas.microsoft.com/office/powerpoint/2010/main" val="3421343728"/>
       </p:ext>
     </p:extLst>
   </p:cSld>
@@ -30430,7 +30341,7 @@
               <a:rPr lang="en-US" sz="4800" dirty="0" smtClean="0">
                 <a:latin typeface="+mj-lt"/>
               </a:rPr>
-              <a:t>Implementation</a:t>
+              <a:t>Alternative Representation</a:t>
             </a:r>
             <a:endParaRPr lang="en-US" sz="4800" dirty="0">
               <a:latin typeface="+mj-lt"/>
@@ -30447,7 +30358,7 @@
         <p:spPr>
           <a:xfrm>
             <a:off x="1011115" y="1529866"/>
-            <a:ext cx="10649662" cy="2677656"/>
+            <a:ext cx="10649662" cy="954107"/>
           </a:xfrm>
           <a:prstGeom prst="rect">
             <a:avLst/>
@@ -30460,81 +30371,254 @@
           </a:bodyPr>
           <a:lstStyle/>
           <a:p>
-            <a:pPr marL="285750" indent="-285750">
-              <a:buFont typeface="Arial" panose="020B0604020202020204" pitchFamily="34" charset="0"/>
-              <a:buChar char="•"/>
-            </a:pPr>
             <a:r>
               <a:rPr lang="en-US" sz="2800" dirty="0" smtClean="0">
                 <a:latin typeface="+mj-lt"/>
               </a:rPr>
-              <a:t>Classes for IR Instructions</a:t>
-            </a:r>
-            <a:endParaRPr lang="en-US" sz="2800" dirty="0">
-              <a:latin typeface="+mj-lt"/>
-            </a:endParaRPr>
-          </a:p>
-          <a:p>
-            <a:pPr marL="285750" indent="-285750">
-              <a:buFont typeface="Arial" panose="020B0604020202020204" pitchFamily="34" charset="0"/>
-              <a:buChar char="•"/>
-            </a:pPr>
+              <a:t>We can take a more low level approach:</a:t>
+            </a:r>
+          </a:p>
+          <a:p>
             <a:r>
               <a:rPr lang="en-US" sz="2800" dirty="0" smtClean="0">
                 <a:latin typeface="+mj-lt"/>
               </a:rPr>
-              <a:t>AST Visitor</a:t>
-            </a:r>
-          </a:p>
-          <a:p>
-            <a:pPr marL="742950" lvl="1" indent="-285750">
-              <a:buFont typeface="Arial" panose="020B0604020202020204" pitchFamily="34" charset="0"/>
-              <a:buChar char="•"/>
-            </a:pPr>
-            <a:r>
-              <a:rPr lang="en-US" sz="2800" dirty="0" smtClean="0">
-                <a:latin typeface="+mj-lt"/>
-              </a:rPr>
-              <a:t>Define visitor for each node type</a:t>
-            </a:r>
-          </a:p>
-          <a:p>
-            <a:pPr marL="742950" lvl="1" indent="-285750">
-              <a:buFont typeface="Arial" panose="020B0604020202020204" pitchFamily="34" charset="0"/>
-              <a:buChar char="•"/>
-            </a:pPr>
-            <a:r>
-              <a:rPr lang="en-US" sz="2800" dirty="0" smtClean="0">
-                <a:latin typeface="+mj-lt"/>
-              </a:rPr>
-              <a:t>Should return</a:t>
-            </a:r>
-          </a:p>
-          <a:p>
-            <a:pPr marL="1200150" lvl="2" indent="-285750">
-              <a:buFont typeface="Arial" panose="020B0604020202020204" pitchFamily="34" charset="0"/>
-              <a:buChar char="•"/>
-            </a:pPr>
-            <a:r>
-              <a:rPr lang="en-US" sz="2800" dirty="0" smtClean="0">
-                <a:latin typeface="+mj-lt"/>
-              </a:rPr>
-              <a:t>List of generated instructions</a:t>
-            </a:r>
-          </a:p>
-          <a:p>
-            <a:pPr marL="1200150" lvl="2" indent="-285750">
-              <a:buFont typeface="Arial" panose="020B0604020202020204" pitchFamily="34" charset="0"/>
-              <a:buChar char="•"/>
-            </a:pPr>
-            <a:r>
-              <a:rPr lang="en-US" sz="2800" dirty="0" smtClean="0">
-                <a:latin typeface="+mj-lt"/>
-              </a:rPr>
-              <a:t>Result register (for expressions)</a:t>
-            </a:r>
-            <a:endParaRPr lang="en-US" sz="2800" dirty="0">
-              <a:latin typeface="+mj-lt"/>
+              <a:t>(assuming that x is first parameter and z first local variable)</a:t>
+            </a:r>
+          </a:p>
+        </p:txBody>
+      </p:sp>
+      <p:sp>
+        <p:nvSpPr>
+          <p:cNvPr id="16" name="TextBox 15"/>
+          <p:cNvSpPr txBox="1"/>
+          <p:nvPr/>
+        </p:nvSpPr>
+        <p:spPr>
+          <a:xfrm>
+            <a:off x="4240441" y="2638894"/>
+            <a:ext cx="4728755" cy="2308324"/>
+          </a:xfrm>
+          <a:prstGeom prst="rect">
+            <a:avLst/>
+          </a:prstGeom>
+          <a:noFill/>
+        </p:spPr>
+        <p:txBody>
+          <a:bodyPr wrap="square" rtlCol="0">
+            <a:spAutoFit/>
+          </a:bodyPr>
+          <a:lstStyle/>
+          <a:p>
+            <a:r>
+              <a:rPr lang="en-US" sz="2400" b="1" dirty="0">
+                <a:latin typeface="Courier New" panose="02070309020205020404" pitchFamily="49" charset="0"/>
+                <a:cs typeface="Courier New" panose="02070309020205020404" pitchFamily="49" charset="0"/>
+              </a:rPr>
+              <a:t>t</a:t>
+            </a:r>
+            <a:r>
+              <a:rPr lang="en-US" sz="2400" b="1" dirty="0" smtClean="0">
+                <a:latin typeface="Courier New" panose="02070309020205020404" pitchFamily="49" charset="0"/>
+                <a:cs typeface="Courier New" panose="02070309020205020404" pitchFamily="49" charset="0"/>
+              </a:rPr>
+              <a:t>1 = add </a:t>
+            </a:r>
+            <a:r>
+              <a:rPr lang="en-US" sz="2400" b="1" dirty="0" err="1" smtClean="0">
+                <a:latin typeface="Courier New" panose="02070309020205020404" pitchFamily="49" charset="0"/>
+                <a:cs typeface="Courier New" panose="02070309020205020404" pitchFamily="49" charset="0"/>
+              </a:rPr>
+              <a:t>fp</a:t>
+            </a:r>
+            <a:r>
+              <a:rPr lang="en-US" sz="2400" b="1" dirty="0" smtClean="0">
+                <a:latin typeface="Courier New" panose="02070309020205020404" pitchFamily="49" charset="0"/>
+                <a:cs typeface="Courier New" panose="02070309020205020404" pitchFamily="49" charset="0"/>
+              </a:rPr>
+              <a:t>, 8</a:t>
+            </a:r>
+          </a:p>
+          <a:p>
+            <a:r>
+              <a:rPr lang="en-US" sz="2400" b="1" dirty="0" smtClean="0">
+                <a:latin typeface="Courier New" panose="02070309020205020404" pitchFamily="49" charset="0"/>
+                <a:cs typeface="Courier New" panose="02070309020205020404" pitchFamily="49" charset="0"/>
+              </a:rPr>
+              <a:t>t2 </a:t>
+            </a:r>
+            <a:r>
+              <a:rPr lang="en-US" sz="2400" b="1" dirty="0" smtClean="0">
+                <a:latin typeface="Courier New" panose="02070309020205020404" pitchFamily="49" charset="0"/>
+                <a:cs typeface="Courier New" panose="02070309020205020404" pitchFamily="49" charset="0"/>
+              </a:rPr>
+              <a:t>= </a:t>
+            </a:r>
+            <a:r>
+              <a:rPr lang="en-US" sz="2400" b="1" dirty="0" smtClean="0">
+                <a:solidFill>
+                  <a:srgbClr val="C00000"/>
+                </a:solidFill>
+                <a:latin typeface="Courier New" panose="02070309020205020404" pitchFamily="49" charset="0"/>
+                <a:cs typeface="Courier New" panose="02070309020205020404" pitchFamily="49" charset="0"/>
+              </a:rPr>
+              <a:t>load</a:t>
+            </a:r>
+            <a:r>
+              <a:rPr lang="en-US" sz="2400" b="1" dirty="0" smtClean="0">
+                <a:latin typeface="Courier New" panose="02070309020205020404" pitchFamily="49" charset="0"/>
+                <a:cs typeface="Courier New" panose="02070309020205020404" pitchFamily="49" charset="0"/>
+              </a:rPr>
+              <a:t> </a:t>
+            </a:r>
+            <a:r>
+              <a:rPr lang="en-US" sz="2400" b="1" dirty="0" smtClean="0">
+                <a:latin typeface="Courier New" panose="02070309020205020404" pitchFamily="49" charset="0"/>
+                <a:cs typeface="Courier New" panose="02070309020205020404" pitchFamily="49" charset="0"/>
+              </a:rPr>
+              <a:t>t1</a:t>
+            </a:r>
+            <a:endParaRPr lang="en-US" sz="2400" b="1" dirty="0" smtClean="0">
+              <a:latin typeface="Courier New" panose="02070309020205020404" pitchFamily="49" charset="0"/>
+              <a:cs typeface="Courier New" panose="02070309020205020404" pitchFamily="49" charset="0"/>
+            </a:endParaRPr>
+          </a:p>
+          <a:p>
+            <a:r>
+              <a:rPr lang="en-US" sz="2400" b="1" dirty="0" smtClean="0">
+                <a:latin typeface="Courier New" panose="02070309020205020404" pitchFamily="49" charset="0"/>
+                <a:cs typeface="Courier New" panose="02070309020205020404" pitchFamily="49" charset="0"/>
+              </a:rPr>
+              <a:t>t</a:t>
+            </a:r>
+            <a:r>
+              <a:rPr lang="en-US" sz="2400" b="1" dirty="0">
+                <a:latin typeface="Courier New" panose="02070309020205020404" pitchFamily="49" charset="0"/>
+                <a:cs typeface="Courier New" panose="02070309020205020404" pitchFamily="49" charset="0"/>
+              </a:rPr>
+              <a:t>3</a:t>
+            </a:r>
+            <a:r>
+              <a:rPr lang="en-US" sz="2400" b="1" dirty="0" smtClean="0">
+                <a:latin typeface="Courier New" panose="02070309020205020404" pitchFamily="49" charset="0"/>
+                <a:cs typeface="Courier New" panose="02070309020205020404" pitchFamily="49" charset="0"/>
+              </a:rPr>
+              <a:t> </a:t>
+            </a:r>
+            <a:r>
+              <a:rPr lang="en-US" sz="2400" b="1" dirty="0" smtClean="0">
+                <a:latin typeface="Courier New" panose="02070309020205020404" pitchFamily="49" charset="0"/>
+                <a:cs typeface="Courier New" panose="02070309020205020404" pitchFamily="49" charset="0"/>
+              </a:rPr>
+              <a:t>= 42</a:t>
+            </a:r>
+            <a:endParaRPr lang="en-US" sz="2400" b="1" dirty="0">
+              <a:latin typeface="Courier New" panose="02070309020205020404" pitchFamily="49" charset="0"/>
+              <a:cs typeface="Courier New" panose="02070309020205020404" pitchFamily="49" charset="0"/>
+            </a:endParaRPr>
+          </a:p>
+          <a:p>
+            <a:r>
+              <a:rPr lang="en-US" sz="2400" b="1" dirty="0" smtClean="0">
+                <a:latin typeface="Courier New" panose="02070309020205020404" pitchFamily="49" charset="0"/>
+                <a:cs typeface="Courier New" panose="02070309020205020404" pitchFamily="49" charset="0"/>
+              </a:rPr>
+              <a:t>t4 </a:t>
+            </a:r>
+            <a:r>
+              <a:rPr lang="en-US" sz="2400" b="1" dirty="0" smtClean="0">
+                <a:latin typeface="Courier New" panose="02070309020205020404" pitchFamily="49" charset="0"/>
+                <a:cs typeface="Courier New" panose="02070309020205020404" pitchFamily="49" charset="0"/>
+              </a:rPr>
+              <a:t>= add </a:t>
+            </a:r>
+            <a:r>
+              <a:rPr lang="en-US" sz="2400" b="1" dirty="0" smtClean="0">
+                <a:latin typeface="Courier New" panose="02070309020205020404" pitchFamily="49" charset="0"/>
+                <a:cs typeface="Courier New" panose="02070309020205020404" pitchFamily="49" charset="0"/>
+              </a:rPr>
+              <a:t>t2, t3</a:t>
+            </a:r>
+          </a:p>
+          <a:p>
+            <a:r>
+              <a:rPr lang="en-US" sz="2400" b="1" dirty="0">
+                <a:latin typeface="Courier New" panose="02070309020205020404" pitchFamily="49" charset="0"/>
+                <a:cs typeface="Courier New" panose="02070309020205020404" pitchFamily="49" charset="0"/>
+              </a:rPr>
+              <a:t>t</a:t>
+            </a:r>
+            <a:r>
+              <a:rPr lang="en-US" sz="2400" b="1" dirty="0" smtClean="0">
+                <a:latin typeface="Courier New" panose="02070309020205020404" pitchFamily="49" charset="0"/>
+                <a:cs typeface="Courier New" panose="02070309020205020404" pitchFamily="49" charset="0"/>
+              </a:rPr>
+              <a:t>5 = sub </a:t>
+            </a:r>
+            <a:r>
+              <a:rPr lang="en-US" sz="2400" b="1" dirty="0" err="1" smtClean="0">
+                <a:latin typeface="Courier New" panose="02070309020205020404" pitchFamily="49" charset="0"/>
+                <a:cs typeface="Courier New" panose="02070309020205020404" pitchFamily="49" charset="0"/>
+              </a:rPr>
+              <a:t>fp</a:t>
+            </a:r>
+            <a:r>
+              <a:rPr lang="en-US" sz="2400" b="1" dirty="0" smtClean="0">
+                <a:latin typeface="Courier New" panose="02070309020205020404" pitchFamily="49" charset="0"/>
+                <a:cs typeface="Courier New" panose="02070309020205020404" pitchFamily="49" charset="0"/>
+              </a:rPr>
+              <a:t>, 4</a:t>
+            </a:r>
+            <a:endParaRPr lang="en-US" sz="2400" b="1" dirty="0" smtClean="0">
+              <a:latin typeface="Courier New" panose="02070309020205020404" pitchFamily="49" charset="0"/>
+              <a:cs typeface="Courier New" panose="02070309020205020404" pitchFamily="49" charset="0"/>
+            </a:endParaRPr>
+          </a:p>
+          <a:p>
+            <a:r>
+              <a:rPr lang="en-US" sz="2400" b="1" dirty="0">
+                <a:solidFill>
+                  <a:srgbClr val="C00000"/>
+                </a:solidFill>
+                <a:latin typeface="Courier New" panose="02070309020205020404" pitchFamily="49" charset="0"/>
+                <a:cs typeface="Courier New" panose="02070309020205020404" pitchFamily="49" charset="0"/>
+              </a:rPr>
+              <a:t>s</a:t>
+            </a:r>
+            <a:r>
+              <a:rPr lang="en-US" sz="2400" b="1" dirty="0" smtClean="0">
+                <a:solidFill>
+                  <a:srgbClr val="C00000"/>
+                </a:solidFill>
+                <a:latin typeface="Courier New" panose="02070309020205020404" pitchFamily="49" charset="0"/>
+                <a:cs typeface="Courier New" panose="02070309020205020404" pitchFamily="49" charset="0"/>
+              </a:rPr>
+              <a:t>tore</a:t>
+            </a:r>
+            <a:r>
+              <a:rPr lang="en-US" sz="2400" b="1" dirty="0" smtClean="0">
+                <a:latin typeface="Courier New" panose="02070309020205020404" pitchFamily="49" charset="0"/>
+                <a:cs typeface="Courier New" panose="02070309020205020404" pitchFamily="49" charset="0"/>
+              </a:rPr>
+              <a:t> </a:t>
+            </a:r>
+            <a:r>
+              <a:rPr lang="en-US" sz="2400" b="1" dirty="0" smtClean="0">
+                <a:latin typeface="Courier New" panose="02070309020205020404" pitchFamily="49" charset="0"/>
+                <a:cs typeface="Courier New" panose="02070309020205020404" pitchFamily="49" charset="0"/>
+              </a:rPr>
+              <a:t>t5, </a:t>
+            </a:r>
+            <a:r>
+              <a:rPr lang="en-US" sz="2400" b="1" dirty="0" smtClean="0">
+                <a:latin typeface="Courier New" panose="02070309020205020404" pitchFamily="49" charset="0"/>
+                <a:cs typeface="Courier New" panose="02070309020205020404" pitchFamily="49" charset="0"/>
+              </a:rPr>
+              <a:t>t3</a:t>
+            </a:r>
+            <a:endParaRPr lang="en-US" sz="2400" b="1" dirty="0">
+              <a:latin typeface="Courier New" panose="02070309020205020404" pitchFamily="49" charset="0"/>
+              <a:cs typeface="Courier New" panose="02070309020205020404" pitchFamily="49" charset="0"/>
             </a:endParaRPr>
           </a:p>
         </p:txBody>
@@ -30542,7 +30626,7 @@
     </p:spTree>
     <p:extLst>
       <p:ext uri="{BB962C8B-B14F-4D97-AF65-F5344CB8AC3E}">
-        <p14:creationId xmlns:p14="http://schemas.microsoft.com/office/powerpoint/2010/main" val="2448748297"/>
+        <p14:creationId xmlns:p14="http://schemas.microsoft.com/office/powerpoint/2010/main" val="1512947453"/>
       </p:ext>
     </p:extLst>
   </p:cSld>
